--- a/Documentation/návrhUI.pptx
+++ b/Documentation/návrhUI.pptx
@@ -2,17 +2,17 @@
 <file path=ppt/presentation.xml><?xml version="1.0" encoding="utf-8"?>
 <p:presentation xmlns:a="http://schemas.openxmlformats.org/drawingml/2006/main" xmlns:r="http://schemas.openxmlformats.org/officeDocument/2006/relationships" xmlns:p="http://schemas.openxmlformats.org/presentationml/2006/main" saveSubsetFonts="1">
   <p:sldMasterIdLst>
-    <p:sldMasterId id="2147483648" r:id="rId43"/>
+    <p:sldMasterId id="2147483648" r:id="rId44"/>
   </p:sldMasterIdLst>
   <p:sldIdLst>
-    <p:sldId id="264" r:id="rId44"/>
-    <p:sldId id="256" r:id="rId45"/>
-    <p:sldId id="262" r:id="rId46"/>
-    <p:sldId id="257" r:id="rId47"/>
-    <p:sldId id="260" r:id="rId48"/>
-    <p:sldId id="259" r:id="rId49"/>
-    <p:sldId id="261" r:id="rId50"/>
-    <p:sldId id="263" r:id="rId51"/>
+    <p:sldId id="264" r:id="rId45"/>
+    <p:sldId id="256" r:id="rId46"/>
+    <p:sldId id="262" r:id="rId47"/>
+    <p:sldId id="257" r:id="rId48"/>
+    <p:sldId id="260" r:id="rId49"/>
+    <p:sldId id="259" r:id="rId50"/>
+    <p:sldId id="261" r:id="rId51"/>
+    <p:sldId id="263" r:id="rId52"/>
   </p:sldIdLst>
   <p:sldSz cx="12192000" cy="6858000"/>
   <p:notesSz cx="6858000" cy="9144000"/>
@@ -111,6 +111,11 @@
       </a:defRPr>
     </a:lvl9pPr>
   </p:defaultTextStyle>
+  <p:extLst>
+    <p:ext uri="{EFAFB233-063F-42B5-8137-9DF3F51BA10A}">
+      <p15:sldGuideLst xmlns:p15="http://schemas.microsoft.com/office/powerpoint/2012/main"/>
+    </p:ext>
+  </p:extLst>
 </p:presentation>
 </file>
 
@@ -245,7 +250,7 @@
           <a:p>
             <a:fld id="{7F381478-716B-4BEA-BF2C-35BB2CBEF745}" type="datetimeFigureOut">
               <a:rPr lang="cs-CZ" smtClean="0"/>
-              <a:t>30.4.2016</a:t>
+              <a:t>3.5.2016</a:t>
             </a:fld>
             <a:endParaRPr lang="cs-CZ"/>
           </a:p>
@@ -415,7 +420,7 @@
           <a:p>
             <a:fld id="{7F381478-716B-4BEA-BF2C-35BB2CBEF745}" type="datetimeFigureOut">
               <a:rPr lang="cs-CZ" smtClean="0"/>
-              <a:t>30.4.2016</a:t>
+              <a:t>3.5.2016</a:t>
             </a:fld>
             <a:endParaRPr lang="cs-CZ"/>
           </a:p>
@@ -595,7 +600,7 @@
           <a:p>
             <a:fld id="{7F381478-716B-4BEA-BF2C-35BB2CBEF745}" type="datetimeFigureOut">
               <a:rPr lang="cs-CZ" smtClean="0"/>
-              <a:t>30.4.2016</a:t>
+              <a:t>3.5.2016</a:t>
             </a:fld>
             <a:endParaRPr lang="cs-CZ"/>
           </a:p>
@@ -765,7 +770,7 @@
           <a:p>
             <a:fld id="{7F381478-716B-4BEA-BF2C-35BB2CBEF745}" type="datetimeFigureOut">
               <a:rPr lang="cs-CZ" smtClean="0"/>
-              <a:t>30.4.2016</a:t>
+              <a:t>3.5.2016</a:t>
             </a:fld>
             <a:endParaRPr lang="cs-CZ"/>
           </a:p>
@@ -1011,7 +1016,7 @@
           <a:p>
             <a:fld id="{7F381478-716B-4BEA-BF2C-35BB2CBEF745}" type="datetimeFigureOut">
               <a:rPr lang="cs-CZ" smtClean="0"/>
-              <a:t>30.4.2016</a:t>
+              <a:t>3.5.2016</a:t>
             </a:fld>
             <a:endParaRPr lang="cs-CZ"/>
           </a:p>
@@ -1243,7 +1248,7 @@
           <a:p>
             <a:fld id="{7F381478-716B-4BEA-BF2C-35BB2CBEF745}" type="datetimeFigureOut">
               <a:rPr lang="cs-CZ" smtClean="0"/>
-              <a:t>30.4.2016</a:t>
+              <a:t>3.5.2016</a:t>
             </a:fld>
             <a:endParaRPr lang="cs-CZ"/>
           </a:p>
@@ -1610,7 +1615,7 @@
           <a:p>
             <a:fld id="{7F381478-716B-4BEA-BF2C-35BB2CBEF745}" type="datetimeFigureOut">
               <a:rPr lang="cs-CZ" smtClean="0"/>
-              <a:t>30.4.2016</a:t>
+              <a:t>3.5.2016</a:t>
             </a:fld>
             <a:endParaRPr lang="cs-CZ"/>
           </a:p>
@@ -1728,7 +1733,7 @@
           <a:p>
             <a:fld id="{7F381478-716B-4BEA-BF2C-35BB2CBEF745}" type="datetimeFigureOut">
               <a:rPr lang="cs-CZ" smtClean="0"/>
-              <a:t>30.4.2016</a:t>
+              <a:t>3.5.2016</a:t>
             </a:fld>
             <a:endParaRPr lang="cs-CZ"/>
           </a:p>
@@ -1823,7 +1828,7 @@
           <a:p>
             <a:fld id="{7F381478-716B-4BEA-BF2C-35BB2CBEF745}" type="datetimeFigureOut">
               <a:rPr lang="cs-CZ" smtClean="0"/>
-              <a:t>30.4.2016</a:t>
+              <a:t>3.5.2016</a:t>
             </a:fld>
             <a:endParaRPr lang="cs-CZ"/>
           </a:p>
@@ -2100,7 +2105,7 @@
           <a:p>
             <a:fld id="{7F381478-716B-4BEA-BF2C-35BB2CBEF745}" type="datetimeFigureOut">
               <a:rPr lang="cs-CZ" smtClean="0"/>
-              <a:t>30.4.2016</a:t>
+              <a:t>3.5.2016</a:t>
             </a:fld>
             <a:endParaRPr lang="cs-CZ"/>
           </a:p>
@@ -2353,7 +2358,7 @@
           <a:p>
             <a:fld id="{7F381478-716B-4BEA-BF2C-35BB2CBEF745}" type="datetimeFigureOut">
               <a:rPr lang="cs-CZ" smtClean="0"/>
-              <a:t>30.4.2016</a:t>
+              <a:t>3.5.2016</a:t>
             </a:fld>
             <a:endParaRPr lang="cs-CZ"/>
           </a:p>
@@ -2566,7 +2571,7 @@
           <a:p>
             <a:fld id="{7F381478-716B-4BEA-BF2C-35BB2CBEF745}" type="datetimeFigureOut">
               <a:rPr lang="cs-CZ" smtClean="0"/>
-              <a:t>30.4.2016</a:t>
+              <a:t>3.5.2016</a:t>
             </a:fld>
             <a:endParaRPr lang="cs-CZ"/>
           </a:p>
@@ -14244,9 +14249,6 @@
                 </a:rPr>
                 <a:t>Přehled zaměstnanců</a:t>
               </a:r>
-              <a:endParaRPr lang="cs-CZ" sz="1050" kern="0" dirty="0" smtClean="0">
-                <a:latin typeface="Segoe UI"/>
-              </a:endParaRPr>
             </a:p>
             <a:p>
               <a:pPr algn="ctr"/>
@@ -18531,7 +18533,7 @@
         </p:nvGrpSpPr>
         <p:grpSpPr>
           <a:xfrm>
-            <a:off x="1524000" y="0"/>
+            <a:off x="1578880" y="-11113"/>
             <a:ext cx="9144000" cy="6858000"/>
             <a:chOff x="0" y="0"/>
             <a:chExt cx="9144000" cy="6858000"/>
@@ -19406,7 +19408,7 @@
               <p:nvPr/>
             </p:nvPicPr>
             <p:blipFill>
-              <a:blip r:embed="rId10" cstate="print">
+              <a:blip r:embed="rId11" cstate="print">
                 <a:extLst>
                   <a:ext uri="{28A0092B-C50C-407E-A947-70E740481C1C}">
                     <a14:useLocalDpi xmlns:a14="http://schemas.microsoft.com/office/drawing/2010/main" val="0"/>
@@ -19447,7 +19449,7 @@
               <p:nvPr/>
             </p:nvPicPr>
             <p:blipFill rotWithShape="1">
-              <a:blip r:embed="rId11" cstate="print">
+              <a:blip r:embed="rId12" cstate="print">
                 <a:extLst>
                   <a:ext uri="{28A0092B-C50C-407E-A947-70E740481C1C}">
                     <a14:useLocalDpi xmlns:a14="http://schemas.microsoft.com/office/drawing/2010/main" val="0"/>
@@ -19486,7 +19488,7 @@
               <p:nvPr/>
             </p:nvPicPr>
             <p:blipFill>
-              <a:blip r:embed="rId12" cstate="print">
+              <a:blip r:embed="rId13" cstate="print">
                 <a:extLst>
                   <a:ext uri="{28A0092B-C50C-407E-A947-70E740481C1C}">
                     <a14:useLocalDpi xmlns:a14="http://schemas.microsoft.com/office/drawing/2010/main" val="0"/>
@@ -19612,7 +19614,7 @@
                 <p:nvPr/>
               </p:nvPicPr>
               <p:blipFill>
-                <a:blip r:embed="rId13" cstate="print">
+                <a:blip r:embed="rId14" cstate="print">
                   <a:extLst>
                     <a:ext uri="{28A0092B-C50C-407E-A947-70E740481C1C}">
                       <a14:useLocalDpi xmlns:a14="http://schemas.microsoft.com/office/drawing/2010/main" val="0"/>
@@ -19653,7 +19655,7 @@
                 <p:nvPr/>
               </p:nvPicPr>
               <p:blipFill>
-                <a:blip r:embed="rId14" cstate="print">
+                <a:blip r:embed="rId15" cstate="print">
                   <a:extLst>
                     <a:ext uri="{28A0092B-C50C-407E-A947-70E740481C1C}">
                       <a14:useLocalDpi xmlns:a14="http://schemas.microsoft.com/office/drawing/2010/main" val="0"/>
@@ -19694,7 +19696,7 @@
                 <p:nvPr/>
               </p:nvPicPr>
               <p:blipFill>
-                <a:blip r:embed="rId15" cstate="print">
+                <a:blip r:embed="rId16" cstate="print">
                   <a:extLst>
                     <a:ext uri="{28A0092B-C50C-407E-A947-70E740481C1C}">
                       <a14:useLocalDpi xmlns:a14="http://schemas.microsoft.com/office/drawing/2010/main" val="0"/>
@@ -21341,7 +21343,7 @@
             <p:nvPr/>
           </p:nvPicPr>
           <p:blipFill>
-            <a:blip r:embed="rId16" cstate="print">
+            <a:blip r:embed="rId17" cstate="print">
               <a:extLst>
                 <a:ext uri="{28A0092B-C50C-407E-A947-70E740481C1C}">
                   <a14:useLocalDpi xmlns:a14="http://schemas.microsoft.com/office/drawing/2010/main" val="0"/>
@@ -21436,6 +21438,82 @@
                 <a:cs typeface="Segoe UI" pitchFamily="34" charset="0"/>
               </a:rPr>
               <a:t>text</a:t>
+            </a:r>
+            <a:endParaRPr lang="en-US" sz="1200" dirty="0">
+              <a:solidFill>
+                <a:srgbClr val="000000"/>
+              </a:solidFill>
+              <a:latin typeface="Segoe UI" pitchFamily="34" charset="0"/>
+              <a:cs typeface="Segoe UI" pitchFamily="34" charset="0"/>
+            </a:endParaRPr>
+          </a:p>
+        </p:txBody>
+      </p:sp>
+      <p:sp>
+        <p:nvSpPr>
+          <p:cNvPr id="62" name="Content"/>
+          <p:cNvSpPr/>
+          <p:nvPr>
+            <p:custDataLst>
+              <p:custData r:id="rId9"/>
+            </p:custDataLst>
+          </p:nvPr>
+        </p:nvSpPr>
+        <p:spPr>
+          <a:xfrm>
+            <a:off x="4642271" y="5772171"/>
+            <a:ext cx="2940879" cy="286643"/>
+          </a:xfrm>
+          <a:prstGeom prst="roundRect">
+            <a:avLst/>
+          </a:prstGeom>
+          <a:solidFill>
+            <a:srgbClr val="FFFFFF">
+              <a:lumMod val="95000"/>
+            </a:srgbClr>
+          </a:solidFill>
+          <a:ln w="3175">
+            <a:solidFill>
+              <a:srgbClr val="000000">
+                <a:lumMod val="50000"/>
+                <a:lumOff val="50000"/>
+              </a:srgbClr>
+            </a:solidFill>
+          </a:ln>
+          <a:effectLst/>
+        </p:spPr>
+        <p:style>
+          <a:lnRef idx="2">
+            <a:srgbClr val="4F81BD">
+              <a:shade val="50000"/>
+            </a:srgbClr>
+          </a:lnRef>
+          <a:fillRef idx="1">
+            <a:srgbClr val="4F81BD"/>
+          </a:fillRef>
+          <a:effectRef idx="0">
+            <a:srgbClr val="4F81BD"/>
+          </a:effectRef>
+          <a:fontRef idx="minor">
+            <a:srgbClr val="000000"/>
+          </a:fontRef>
+        </p:style>
+        <p:txBody>
+          <a:bodyPr wrap="square" lIns="91440" tIns="0" rIns="91440" bIns="9144" rtlCol="0" anchor="ctr">
+            <a:noAutofit/>
+          </a:bodyPr>
+          <a:lstStyle/>
+          <a:p>
+            <a:pPr algn="ctr"/>
+            <a:r>
+              <a:rPr lang="cs-CZ" sz="1200" dirty="0" smtClean="0">
+                <a:solidFill>
+                  <a:srgbClr val="000000"/>
+                </a:solidFill>
+                <a:latin typeface="Segoe UI" pitchFamily="34" charset="0"/>
+                <a:cs typeface="Segoe UI" pitchFamily="34" charset="0"/>
+              </a:rPr>
+              <a:t>Generovat faktury za zvolené období</a:t>
             </a:r>
             <a:endParaRPr lang="en-US" sz="1200" dirty="0">
               <a:solidFill>
@@ -21736,19 +21814,19 @@
 
 <file path=customXml/item10.xml><?xml version="1.0" encoding="utf-8"?>
 <Control xmlns="http://schemas.microsoft.com/VisualStudio/2011/storyboarding/control">
-  <Id Name="System.Storyboarding.WindowsDesktop.MenuBar" Revision="1" Stencil="System.Storyboarding.WindowsDesktop" StencilVersion="0.1"/>
+  <Id Name="System.Storyboarding.Common.Button" Revision="1" Stencil="System.Storyboarding.Common" StencilVersion="0.1"/>
 </Control>
 </file>
 
 <file path=customXml/item11.xml><?xml version="1.0" encoding="utf-8"?>
 <Control xmlns="http://schemas.microsoft.com/VisualStudio/2011/storyboarding/control">
-  <Id Name="System.Storyboarding.Backgrounds.WebBrowser" Revision="1" Stencil="System.Storyboarding.Backgrounds" StencilVersion="0.1"/>
+  <Id Name="System.Storyboarding.WindowsDesktop.MenuBar" Revision="1" Stencil="System.Storyboarding.WindowsDesktop" StencilVersion="0.1"/>
 </Control>
 </file>
 
 <file path=customXml/item12.xml><?xml version="1.0" encoding="utf-8"?>
 <Control xmlns="http://schemas.microsoft.com/VisualStudio/2011/storyboarding/control">
-  <Id Name="System.Storyboarding.Common.DataGrid" Revision="1" Stencil="System.Storyboarding.Common" StencilVersion="0.1"/>
+  <Id Name="System.Storyboarding.Common.TextInput" Revision="1" Stencil="System.Storyboarding.Common" StencilVersion="0.1"/>
 </Control>
 </file>
 
@@ -21760,19 +21838,19 @@
 
 <file path=customXml/item14.xml><?xml version="1.0" encoding="utf-8"?>
 <Control xmlns="http://schemas.microsoft.com/VisualStudio/2011/storyboarding/control">
-  <Id Name="System.Storyboarding.WindowsDesktop.MenuBar" Revision="1" Stencil="System.Storyboarding.WindowsDesktop" StencilVersion="0.1"/>
+  <Id Name="System.Storyboarding.Common.DatePicker" Revision="1" Stencil="System.Storyboarding.Common" StencilVersion="0.1"/>
 </Control>
 </file>
 
 <file path=customXml/item15.xml><?xml version="1.0" encoding="utf-8"?>
 <Control xmlns="http://schemas.microsoft.com/VisualStudio/2011/storyboarding/control">
-  <Id Name="System.Storyboarding.Backgrounds.WebBrowser" Revision="1" Stencil="System.Storyboarding.Backgrounds" StencilVersion="0.1"/>
+  <Id Name="System.Storyboarding.Common.Button" Revision="1" Stencil="System.Storyboarding.Common" StencilVersion="0.1"/>
 </Control>
 </file>
 
 <file path=customXml/item16.xml><?xml version="1.0" encoding="utf-8"?>
 <Control xmlns="http://schemas.microsoft.com/VisualStudio/2011/storyboarding/control">
-  <Id Name="System.Storyboarding.Common.Button" Revision="1" Stencil="System.Storyboarding.Common" StencilVersion="0.1"/>
+  <Id Name="System.Storyboarding.WindowsDesktop.MenuBar" Revision="1" Stencil="System.Storyboarding.WindowsDesktop" StencilVersion="0.1"/>
 </Control>
 </file>
 
@@ -21784,13 +21862,13 @@
 
 <file path=customXml/item18.xml><?xml version="1.0" encoding="utf-8"?>
 <Control xmlns="http://schemas.microsoft.com/VisualStudio/2011/storyboarding/control">
-  <Id Name="System.Storyboarding.Common.TextInput" Revision="1" Stencil="System.Storyboarding.Common" StencilVersion="0.1"/>
+  <Id Name="System.Storyboarding.WindowsDesktop.MenuBar" Revision="1" Stencil="System.Storyboarding.WindowsDesktop" StencilVersion="0.1"/>
 </Control>
 </file>
 
 <file path=customXml/item19.xml><?xml version="1.0" encoding="utf-8"?>
 <Control xmlns="http://schemas.microsoft.com/VisualStudio/2011/storyboarding/control">
-  <Id Name="System.Storyboarding.Common.TextInput" Revision="1" Stencil="System.Storyboarding.Common" StencilVersion="0.1"/>
+  <Id Name="System.Storyboarding.Common.DataGrid" Revision="1" Stencil="System.Storyboarding.Common" StencilVersion="0.1"/>
 </Control>
 </file>
 
@@ -21802,31 +21880,31 @@
 
 <file path=customXml/item20.xml><?xml version="1.0" encoding="utf-8"?>
 <Control xmlns="http://schemas.microsoft.com/VisualStudio/2011/storyboarding/control">
-  <Id Name="System.Storyboarding.Backgrounds.WebBrowser" Revision="1" Stencil="System.Storyboarding.Backgrounds" StencilVersion="0.1"/>
+  <Id Name="System.Storyboarding.Common.DatePicker" Revision="1" Stencil="System.Storyboarding.Common" StencilVersion="0.1"/>
 </Control>
 </file>
 
 <file path=customXml/item21.xml><?xml version="1.0" encoding="utf-8"?>
 <Control xmlns="http://schemas.microsoft.com/VisualStudio/2011/storyboarding/control">
-  <Id Name="System.Storyboarding.Common.Button" Revision="1" Stencil="System.Storyboarding.Common" StencilVersion="0.1"/>
+  <Id Name="System.Storyboarding.Common.DataGrid" Revision="1" Stencil="System.Storyboarding.Common" StencilVersion="0.1"/>
 </Control>
 </file>
 
 <file path=customXml/item22.xml><?xml version="1.0" encoding="utf-8"?>
 <Control xmlns="http://schemas.microsoft.com/VisualStudio/2011/storyboarding/control">
-  <Id Name="System.Storyboarding.WindowsDesktop.MenuBar" Revision="1" Stencil="System.Storyboarding.WindowsDesktop" StencilVersion="0.1"/>
+  <Id Name="System.Storyboarding.Common.DataGrid" Revision="1" Stencil="System.Storyboarding.Common" StencilVersion="0.1"/>
 </Control>
 </file>
 
 <file path=customXml/item23.xml><?xml version="1.0" encoding="utf-8"?>
 <Control xmlns="http://schemas.microsoft.com/VisualStudio/2011/storyboarding/control">
-  <Id Name="System.Storyboarding.Common.TextInput" Revision="1" Stencil="System.Storyboarding.Common" StencilVersion="0.1"/>
+  <Id Name="System.Storyboarding.Common.DataGrid" Revision="1" Stencil="System.Storyboarding.Common" StencilVersion="0.1"/>
 </Control>
 </file>
 
 <file path=customXml/item24.xml><?xml version="1.0" encoding="utf-8"?>
 <Control xmlns="http://schemas.microsoft.com/VisualStudio/2011/storyboarding/control">
-  <Id Name="System.Storyboarding.Common.TextInput" Revision="1" Stencil="System.Storyboarding.Common" StencilVersion="0.1"/>
+  <Id Name="System.Storyboarding.WindowsDesktop.MenuBar" Revision="1" Stencil="System.Storyboarding.WindowsDesktop" StencilVersion="0.1"/>
 </Control>
 </file>
 
@@ -21838,49 +21916,49 @@
 
 <file path=customXml/item26.xml><?xml version="1.0" encoding="utf-8"?>
 <Control xmlns="http://schemas.microsoft.com/VisualStudio/2011/storyboarding/control">
-  <Id Name="System.Storyboarding.Common.Button" Revision="1" Stencil="System.Storyboarding.Common" StencilVersion="0.1"/>
+  <Id Name="System.Storyboarding.Common.TextInput" Revision="1" Stencil="System.Storyboarding.Common" StencilVersion="0.1"/>
 </Control>
 </file>
 
 <file path=customXml/item27.xml><?xml version="1.0" encoding="utf-8"?>
 <Control xmlns="http://schemas.microsoft.com/VisualStudio/2011/storyboarding/control">
-  <Id Name="System.Storyboarding.WindowsDesktop.MenuBar" Revision="1" Stencil="System.Storyboarding.WindowsDesktop" StencilVersion="0.1"/>
+  <Id Name="System.Storyboarding.Common.Button" Revision="1" Stencil="System.Storyboarding.Common" StencilVersion="0.1"/>
 </Control>
 </file>
 
 <file path=customXml/item28.xml><?xml version="1.0" encoding="utf-8"?>
 <Control xmlns="http://schemas.microsoft.com/VisualStudio/2011/storyboarding/control">
-  <Id Name="System.Storyboarding.Common.Button" Revision="1" Stencil="System.Storyboarding.Common" StencilVersion="0.1"/>
+  <Id Name="System.Storyboarding.Backgrounds.WebBrowser" Revision="1" Stencil="System.Storyboarding.Backgrounds" StencilVersion="0.1"/>
 </Control>
 </file>
 
 <file path=customXml/item29.xml><?xml version="1.0" encoding="utf-8"?>
 <Control xmlns="http://schemas.microsoft.com/VisualStudio/2011/storyboarding/control">
-  <Id Name="System.Storyboarding.Backgrounds.WebBrowser" Revision="1" Stencil="System.Storyboarding.Backgrounds" StencilVersion="0.1"/>
+  <Id Name="System.Storyboarding.Common.Button" Revision="1" Stencil="System.Storyboarding.Common" StencilVersion="0.1"/>
 </Control>
 </file>
 
 <file path=customXml/item3.xml><?xml version="1.0" encoding="utf-8"?>
 <Control xmlns="http://schemas.microsoft.com/VisualStudio/2011/storyboarding/control">
-  <Id Name="System.Storyboarding.Common.DataGrid" Revision="1" Stencil="System.Storyboarding.Common" StencilVersion="0.1"/>
+  <Id Name="System.Storyboarding.Common.Button" Revision="1" Stencil="System.Storyboarding.Common" StencilVersion="0.1"/>
 </Control>
 </file>
 
 <file path=customXml/item30.xml><?xml version="1.0" encoding="utf-8"?>
 <Control xmlns="http://schemas.microsoft.com/VisualStudio/2011/storyboarding/control">
-  <Id Name="System.Storyboarding.Common.DataGrid" Revision="1" Stencil="System.Storyboarding.Common" StencilVersion="0.1"/>
+  <Id Name="System.Storyboarding.Backgrounds.WebBrowser" Revision="1" Stencil="System.Storyboarding.Backgrounds" StencilVersion="0.1"/>
 </Control>
 </file>
 
 <file path=customXml/item31.xml><?xml version="1.0" encoding="utf-8"?>
 <Control xmlns="http://schemas.microsoft.com/VisualStudio/2011/storyboarding/control">
-  <Id Name="System.Storyboarding.Common.Button" Revision="1" Stencil="System.Storyboarding.Common" StencilVersion="0.1"/>
+  <Id Name="System.Storyboarding.WindowsDesktop.MenuBar" Revision="1" Stencil="System.Storyboarding.WindowsDesktop" StencilVersion="0.1"/>
 </Control>
 </file>
 
 <file path=customXml/item32.xml><?xml version="1.0" encoding="utf-8"?>
 <Control xmlns="http://schemas.microsoft.com/VisualStudio/2011/storyboarding/control">
-  <Id Name="System.Storyboarding.WindowsDesktop.MenuBar" Revision="1" Stencil="System.Storyboarding.WindowsDesktop" StencilVersion="0.1"/>
+  <Id Name="System.Storyboarding.Backgrounds.WebBrowser" Revision="1" Stencil="System.Storyboarding.Backgrounds" StencilVersion="0.1"/>
 </Control>
 </file>
 
@@ -21892,25 +21970,25 @@
 
 <file path=customXml/item34.xml><?xml version="1.0" encoding="utf-8"?>
 <Control xmlns="http://schemas.microsoft.com/VisualStudio/2011/storyboarding/control">
-  <Id Name="System.Storyboarding.Common.TextInput" Revision="1" Stencil="System.Storyboarding.Common" StencilVersion="0.1"/>
+  <Id Name="System.Storyboarding.Common.Button" Revision="1" Stencil="System.Storyboarding.Common" StencilVersion="0.1"/>
 </Control>
 </file>
 
 <file path=customXml/item35.xml><?xml version="1.0" encoding="utf-8"?>
 <Control xmlns="http://schemas.microsoft.com/VisualStudio/2011/storyboarding/control">
-  <Id Name="System.Storyboarding.Common.DatePicker" Revision="1" Stencil="System.Storyboarding.Common" StencilVersion="0.1"/>
+  <Id Name="System.Storyboarding.Common.TextInput" Revision="1" Stencil="System.Storyboarding.Common" StencilVersion="0.1"/>
 </Control>
 </file>
 
 <file path=customXml/item36.xml><?xml version="1.0" encoding="utf-8"?>
 <Control xmlns="http://schemas.microsoft.com/VisualStudio/2011/storyboarding/control">
-  <Id Name="System.Storyboarding.Common.TextInput" Revision="1" Stencil="System.Storyboarding.Common" StencilVersion="0.1"/>
+  <Id Name="System.Storyboarding.Common.Button" Revision="1" Stencil="System.Storyboarding.Common" StencilVersion="0.1"/>
 </Control>
 </file>
 
 <file path=customXml/item37.xml><?xml version="1.0" encoding="utf-8"?>
 <Control xmlns="http://schemas.microsoft.com/VisualStudio/2011/storyboarding/control">
-  <Id Name="System.Storyboarding.Backgrounds.WebBrowser" Revision="1" Stencil="System.Storyboarding.Backgrounds" StencilVersion="0.1"/>
+  <Id Name="System.Storyboarding.Common.TextInput" Revision="1" Stencil="System.Storyboarding.Common" StencilVersion="0.1"/>
 </Control>
 </file>
 
@@ -21928,7 +22006,7 @@
 
 <file path=customXml/item4.xml><?xml version="1.0" encoding="utf-8"?>
 <Control xmlns="http://schemas.microsoft.com/VisualStudio/2011/storyboarding/control">
-  <Id Name="System.Storyboarding.Common.DatePicker" Revision="1" Stencil="System.Storyboarding.Common" StencilVersion="0.1"/>
+  <Id Name="System.Storyboarding.Backgrounds.WebBrowser" Revision="1" Stencil="System.Storyboarding.Backgrounds" StencilVersion="0.1"/>
 </Control>
 </file>
 
@@ -21940,7 +22018,7 @@
 
 <file path=customXml/item41.xml><?xml version="1.0" encoding="utf-8"?>
 <Control xmlns="http://schemas.microsoft.com/VisualStudio/2011/storyboarding/control">
-  <Id Name="System.Storyboarding.Common.Button" Revision="1" Stencil="System.Storyboarding.Common" StencilVersion="0.1"/>
+  <Id Name="System.Storyboarding.Common.TextInput" Revision="1" Stencil="System.Storyboarding.Common" StencilVersion="0.1"/>
 </Control>
 </file>
 
@@ -21950,27 +22028,33 @@
 </Control>
 </file>
 
-<file path=customXml/item5.xml><?xml version="1.0" encoding="utf-8"?>
+<file path=customXml/item43.xml><?xml version="1.0" encoding="utf-8"?>
 <Control xmlns="http://schemas.microsoft.com/VisualStudio/2011/storyboarding/control">
   <Id Name="System.Storyboarding.Common.Button" Revision="1" Stencil="System.Storyboarding.Common" StencilVersion="0.1"/>
 </Control>
 </file>
 
+<file path=customXml/item5.xml><?xml version="1.0" encoding="utf-8"?>
+<Control xmlns="http://schemas.microsoft.com/VisualStudio/2011/storyboarding/control">
+  <Id Name="System.Storyboarding.Backgrounds.WebBrowser" Revision="1" Stencil="System.Storyboarding.Backgrounds" StencilVersion="0.1"/>
+</Control>
+</file>
+
 <file path=customXml/item6.xml><?xml version="1.0" encoding="utf-8"?>
+<Control xmlns="http://schemas.microsoft.com/VisualStudio/2011/storyboarding/control">
+  <Id Name="System.Storyboarding.Common.TextInput" Revision="1" Stencil="System.Storyboarding.Common" StencilVersion="0.1"/>
+</Control>
+</file>
+
+<file path=customXml/item7.xml><?xml version="1.0" encoding="utf-8"?>
 <Control xmlns="http://schemas.microsoft.com/VisualStudio/2011/storyboarding/control">
   <Id Name="System.Storyboarding.WindowsDesktop.MenuBar" Revision="1" Stencil="System.Storyboarding.WindowsDesktop" StencilVersion="0.1"/>
 </Control>
 </file>
 
-<file path=customXml/item7.xml><?xml version="1.0" encoding="utf-8"?>
+<file path=customXml/item8.xml><?xml version="1.0" encoding="utf-8"?>
 <Control xmlns="http://schemas.microsoft.com/VisualStudio/2011/storyboarding/control">
   <Id Name="System.Storyboarding.Backgrounds.WebBrowser" Revision="1" Stencil="System.Storyboarding.Backgrounds" StencilVersion="0.1"/>
-</Control>
-</file>
-
-<file path=customXml/item8.xml><?xml version="1.0" encoding="utf-8"?>
-<Control xmlns="http://schemas.microsoft.com/VisualStudio/2011/storyboarding/control">
-  <Id Name="System.Storyboarding.Common.DataGrid" Revision="1" Stencil="System.Storyboarding.Common" StencilVersion="0.1"/>
 </Control>
 </file>
 
@@ -21981,7 +22065,7 @@
 </file>
 
 <file path=customXml/itemProps1.xml><?xml version="1.0" encoding="utf-8"?>
-<ds:datastoreItem xmlns:ds="http://schemas.openxmlformats.org/officeDocument/2006/customXml" ds:itemID="{F47B1317-BF39-490D-A944-8A4E3CA15783}">
+<ds:datastoreItem xmlns:ds="http://schemas.openxmlformats.org/officeDocument/2006/customXml" ds:itemID="{F034DB33-0248-4A6E-9B15-8EE41F8E0EF7}">
   <ds:schemaRefs>
     <ds:schemaRef ds:uri="http://schemas.microsoft.com/VisualStudio/2011/storyboarding/control"/>
   </ds:schemaRefs>
@@ -21989,6 +22073,14 @@
 </file>
 
 <file path=customXml/itemProps10.xml><?xml version="1.0" encoding="utf-8"?>
+<ds:datastoreItem xmlns:ds="http://schemas.openxmlformats.org/officeDocument/2006/customXml" ds:itemID="{950EFA23-5C6D-4115-9FBE-0DC8B7C729D6}">
+  <ds:schemaRefs>
+    <ds:schemaRef ds:uri="http://schemas.microsoft.com/VisualStudio/2011/storyboarding/control"/>
+  </ds:schemaRefs>
+</ds:datastoreItem>
+</file>
+
+<file path=customXml/itemProps11.xml><?xml version="1.0" encoding="utf-8"?>
 <ds:datastoreItem xmlns:ds="http://schemas.openxmlformats.org/officeDocument/2006/customXml" ds:itemID="{A5319377-888B-4A1E-B2E1-A01F5778259E}">
   <ds:schemaRefs>
     <ds:schemaRef ds:uri="http://schemas.microsoft.com/VisualStudio/2011/storyboarding/control"/>
@@ -21996,16 +22088,8 @@
 </ds:datastoreItem>
 </file>
 
-<file path=customXml/itemProps11.xml><?xml version="1.0" encoding="utf-8"?>
-<ds:datastoreItem xmlns:ds="http://schemas.openxmlformats.org/officeDocument/2006/customXml" ds:itemID="{74C3B84C-EB60-4E0A-86A9-CE1EF5F3EE5E}">
-  <ds:schemaRefs>
-    <ds:schemaRef ds:uri="http://schemas.microsoft.com/VisualStudio/2011/storyboarding/control"/>
-  </ds:schemaRefs>
-</ds:datastoreItem>
-</file>
-
 <file path=customXml/itemProps12.xml><?xml version="1.0" encoding="utf-8"?>
-<ds:datastoreItem xmlns:ds="http://schemas.openxmlformats.org/officeDocument/2006/customXml" ds:itemID="{C6E055FC-5DF7-4738-B9CF-D3C23D0ED337}">
+<ds:datastoreItem xmlns:ds="http://schemas.openxmlformats.org/officeDocument/2006/customXml" ds:itemID="{985FE3BE-7B77-44B5-AC2B-CB3D37855900}">
   <ds:schemaRefs>
     <ds:schemaRef ds:uri="http://schemas.microsoft.com/VisualStudio/2011/storyboarding/control"/>
   </ds:schemaRefs>
@@ -22013,7 +22097,7 @@
 </file>
 
 <file path=customXml/itemProps13.xml><?xml version="1.0" encoding="utf-8"?>
-<ds:datastoreItem xmlns:ds="http://schemas.openxmlformats.org/officeDocument/2006/customXml" ds:itemID="{6F7CA8C6-7CD8-4354-856C-1B8CDA209604}">
+<ds:datastoreItem xmlns:ds="http://schemas.openxmlformats.org/officeDocument/2006/customXml" ds:itemID="{3276597C-028E-404E-9A0D-8BC1EC6D166E}">
   <ds:schemaRefs>
     <ds:schemaRef ds:uri="http://schemas.microsoft.com/VisualStudio/2011/storyboarding/control"/>
   </ds:schemaRefs>
@@ -22021,6 +22105,22 @@
 </file>
 
 <file path=customXml/itemProps14.xml><?xml version="1.0" encoding="utf-8"?>
+<ds:datastoreItem xmlns:ds="http://schemas.openxmlformats.org/officeDocument/2006/customXml" ds:itemID="{820EFFDD-1138-4C42-9E94-3AE29F67B081}">
+  <ds:schemaRefs>
+    <ds:schemaRef ds:uri="http://schemas.microsoft.com/VisualStudio/2011/storyboarding/control"/>
+  </ds:schemaRefs>
+</ds:datastoreItem>
+</file>
+
+<file path=customXml/itemProps15.xml><?xml version="1.0" encoding="utf-8"?>
+<ds:datastoreItem xmlns:ds="http://schemas.openxmlformats.org/officeDocument/2006/customXml" ds:itemID="{CB873FB7-0569-4E0C-B62F-D8017DC45E1D}">
+  <ds:schemaRefs>
+    <ds:schemaRef ds:uri="http://schemas.microsoft.com/VisualStudio/2011/storyboarding/control"/>
+  </ds:schemaRefs>
+</ds:datastoreItem>
+</file>
+
+<file path=customXml/itemProps16.xml><?xml version="1.0" encoding="utf-8"?>
 <ds:datastoreItem xmlns:ds="http://schemas.openxmlformats.org/officeDocument/2006/customXml" ds:itemID="{2FF8742B-721E-4FFE-A4AA-409DAD9A50C2}">
   <ds:schemaRefs>
     <ds:schemaRef ds:uri="http://schemas.microsoft.com/VisualStudio/2011/storyboarding/control"/>
@@ -22028,24 +22128,8 @@
 </ds:datastoreItem>
 </file>
 
-<file path=customXml/itemProps15.xml><?xml version="1.0" encoding="utf-8"?>
-<ds:datastoreItem xmlns:ds="http://schemas.openxmlformats.org/officeDocument/2006/customXml" ds:itemID="{6FAA5058-347F-496C-994D-67AFD5AAD401}">
-  <ds:schemaRefs>
-    <ds:schemaRef ds:uri="http://schemas.microsoft.com/VisualStudio/2011/storyboarding/control"/>
-  </ds:schemaRefs>
-</ds:datastoreItem>
-</file>
-
-<file path=customXml/itemProps16.xml><?xml version="1.0" encoding="utf-8"?>
-<ds:datastoreItem xmlns:ds="http://schemas.openxmlformats.org/officeDocument/2006/customXml" ds:itemID="{0E441279-A17B-4F37-BE12-3282F1AB6263}">
-  <ds:schemaRefs>
-    <ds:schemaRef ds:uri="http://schemas.microsoft.com/VisualStudio/2011/storyboarding/control"/>
-  </ds:schemaRefs>
-</ds:datastoreItem>
-</file>
-
 <file path=customXml/itemProps17.xml><?xml version="1.0" encoding="utf-8"?>
-<ds:datastoreItem xmlns:ds="http://schemas.openxmlformats.org/officeDocument/2006/customXml" ds:itemID="{A81E4219-1F67-4580-8F25-4496496D4577}">
+<ds:datastoreItem xmlns:ds="http://schemas.openxmlformats.org/officeDocument/2006/customXml" ds:itemID="{D6CD23D1-34B4-43F9-8B27-178E06C60B0C}">
   <ds:schemaRefs>
     <ds:schemaRef ds:uri="http://schemas.microsoft.com/VisualStudio/2011/storyboarding/control"/>
   </ds:schemaRefs>
@@ -22053,7 +22137,7 @@
 </file>
 
 <file path=customXml/itemProps18.xml><?xml version="1.0" encoding="utf-8"?>
-<ds:datastoreItem xmlns:ds="http://schemas.openxmlformats.org/officeDocument/2006/customXml" ds:itemID="{93483E70-B105-4130-B774-0746440B8C9F}">
+<ds:datastoreItem xmlns:ds="http://schemas.openxmlformats.org/officeDocument/2006/customXml" ds:itemID="{A45EFC53-8EB2-4BB1-93C4-FDA294E4CF9F}">
   <ds:schemaRefs>
     <ds:schemaRef ds:uri="http://schemas.microsoft.com/VisualStudio/2011/storyboarding/control"/>
   </ds:schemaRefs>
@@ -22061,7 +22145,7 @@
 </file>
 
 <file path=customXml/itemProps19.xml><?xml version="1.0" encoding="utf-8"?>
-<ds:datastoreItem xmlns:ds="http://schemas.openxmlformats.org/officeDocument/2006/customXml" ds:itemID="{985FE3BE-7B77-44B5-AC2B-CB3D37855900}">
+<ds:datastoreItem xmlns:ds="http://schemas.openxmlformats.org/officeDocument/2006/customXml" ds:itemID="{5F434E7D-8827-4E47-AAAC-112E63350749}">
   <ds:schemaRefs>
     <ds:schemaRef ds:uri="http://schemas.microsoft.com/VisualStudio/2011/storyboarding/control"/>
   </ds:schemaRefs>
@@ -22077,7 +22161,7 @@
 </file>
 
 <file path=customXml/itemProps20.xml><?xml version="1.0" encoding="utf-8"?>
-<ds:datastoreItem xmlns:ds="http://schemas.openxmlformats.org/officeDocument/2006/customXml" ds:itemID="{E0AFD172-6045-4862-82FD-83221F4FC8D0}">
+<ds:datastoreItem xmlns:ds="http://schemas.openxmlformats.org/officeDocument/2006/customXml" ds:itemID="{6D201E83-92CD-438B-8163-3C3E9A16B209}">
   <ds:schemaRefs>
     <ds:schemaRef ds:uri="http://schemas.microsoft.com/VisualStudio/2011/storyboarding/control"/>
   </ds:schemaRefs>
@@ -22085,7 +22169,7 @@
 </file>
 
 <file path=customXml/itemProps21.xml><?xml version="1.0" encoding="utf-8"?>
-<ds:datastoreItem xmlns:ds="http://schemas.openxmlformats.org/officeDocument/2006/customXml" ds:itemID="{001F1A4E-7DC0-4181-B073-09E30FC8E5C2}">
+<ds:datastoreItem xmlns:ds="http://schemas.openxmlformats.org/officeDocument/2006/customXml" ds:itemID="{13AC290A-E857-4ABB-B045-723D440B17B8}">
   <ds:schemaRefs>
     <ds:schemaRef ds:uri="http://schemas.microsoft.com/VisualStudio/2011/storyboarding/control"/>
   </ds:schemaRefs>
@@ -22093,7 +22177,7 @@
 </file>
 
 <file path=customXml/itemProps22.xml><?xml version="1.0" encoding="utf-8"?>
-<ds:datastoreItem xmlns:ds="http://schemas.openxmlformats.org/officeDocument/2006/customXml" ds:itemID="{D6CD23D1-34B4-43F9-8B27-178E06C60B0C}">
+<ds:datastoreItem xmlns:ds="http://schemas.openxmlformats.org/officeDocument/2006/customXml" ds:itemID="{74E285C1-FEE9-4653-8976-43C41AE533F9}">
   <ds:schemaRefs>
     <ds:schemaRef ds:uri="http://schemas.microsoft.com/VisualStudio/2011/storyboarding/control"/>
   </ds:schemaRefs>
@@ -22101,7 +22185,7 @@
 </file>
 
 <file path=customXml/itemProps23.xml><?xml version="1.0" encoding="utf-8"?>
-<ds:datastoreItem xmlns:ds="http://schemas.openxmlformats.org/officeDocument/2006/customXml" ds:itemID="{3B516881-4C72-49F0-ABE2-DA01764D0F1B}">
+<ds:datastoreItem xmlns:ds="http://schemas.openxmlformats.org/officeDocument/2006/customXml" ds:itemID="{C6E055FC-5DF7-4738-B9CF-D3C23D0ED337}">
   <ds:schemaRefs>
     <ds:schemaRef ds:uri="http://schemas.microsoft.com/VisualStudio/2011/storyboarding/control"/>
   </ds:schemaRefs>
@@ -22109,7 +22193,7 @@
 </file>
 
 <file path=customXml/itemProps24.xml><?xml version="1.0" encoding="utf-8"?>
-<ds:datastoreItem xmlns:ds="http://schemas.openxmlformats.org/officeDocument/2006/customXml" ds:itemID="{A6081D60-919F-4E67-BB2D-35B31BA24912}">
+<ds:datastoreItem xmlns:ds="http://schemas.openxmlformats.org/officeDocument/2006/customXml" ds:itemID="{A81E4219-1F67-4580-8F25-4496496D4577}">
   <ds:schemaRefs>
     <ds:schemaRef ds:uri="http://schemas.microsoft.com/VisualStudio/2011/storyboarding/control"/>
   </ds:schemaRefs>
@@ -22125,7 +22209,7 @@
 </file>
 
 <file path=customXml/itemProps26.xml><?xml version="1.0" encoding="utf-8"?>
-<ds:datastoreItem xmlns:ds="http://schemas.openxmlformats.org/officeDocument/2006/customXml" ds:itemID="{35406FC8-9550-4B12-961D-C65D0D7C9801}">
+<ds:datastoreItem xmlns:ds="http://schemas.openxmlformats.org/officeDocument/2006/customXml" ds:itemID="{31A316BA-830C-46B0-B8E4-8734C88AC532}">
   <ds:schemaRefs>
     <ds:schemaRef ds:uri="http://schemas.microsoft.com/VisualStudio/2011/storyboarding/control"/>
   </ds:schemaRefs>
@@ -22133,7 +22217,7 @@
 </file>
 
 <file path=customXml/itemProps27.xml><?xml version="1.0" encoding="utf-8"?>
-<ds:datastoreItem xmlns:ds="http://schemas.openxmlformats.org/officeDocument/2006/customXml" ds:itemID="{A45EFC53-8EB2-4BB1-93C4-FDA294E4CF9F}">
+<ds:datastoreItem xmlns:ds="http://schemas.openxmlformats.org/officeDocument/2006/customXml" ds:itemID="{0FCA21B5-BC03-4E0C-AD27-5A0079842B5C}">
   <ds:schemaRefs>
     <ds:schemaRef ds:uri="http://schemas.microsoft.com/VisualStudio/2011/storyboarding/control"/>
   </ds:schemaRefs>
@@ -22141,6 +22225,62 @@
 </file>
 
 <file path=customXml/itemProps28.xml><?xml version="1.0" encoding="utf-8"?>
+<ds:datastoreItem xmlns:ds="http://schemas.openxmlformats.org/officeDocument/2006/customXml" ds:itemID="{E0AFD172-6045-4862-82FD-83221F4FC8D0}">
+  <ds:schemaRefs>
+    <ds:schemaRef ds:uri="http://schemas.microsoft.com/VisualStudio/2011/storyboarding/control"/>
+  </ds:schemaRefs>
+</ds:datastoreItem>
+</file>
+
+<file path=customXml/itemProps29.xml><?xml version="1.0" encoding="utf-8"?>
+<ds:datastoreItem xmlns:ds="http://schemas.openxmlformats.org/officeDocument/2006/customXml" ds:itemID="{F4BD737D-A278-47F7-9F1F-CB0AD50B0122}">
+  <ds:schemaRefs>
+    <ds:schemaRef ds:uri="http://schemas.microsoft.com/VisualStudio/2011/storyboarding/control"/>
+  </ds:schemaRefs>
+</ds:datastoreItem>
+</file>
+
+<file path=customXml/itemProps3.xml><?xml version="1.0" encoding="utf-8"?>
+<ds:datastoreItem xmlns:ds="http://schemas.openxmlformats.org/officeDocument/2006/customXml" ds:itemID="{0E441279-A17B-4F37-BE12-3282F1AB6263}">
+  <ds:schemaRefs>
+    <ds:schemaRef ds:uri="http://schemas.microsoft.com/VisualStudio/2011/storyboarding/control"/>
+  </ds:schemaRefs>
+</ds:datastoreItem>
+</file>
+
+<file path=customXml/itemProps30.xml><?xml version="1.0" encoding="utf-8"?>
+<ds:datastoreItem xmlns:ds="http://schemas.openxmlformats.org/officeDocument/2006/customXml" ds:itemID="{F47B1317-BF39-490D-A944-8A4E3CA15783}">
+  <ds:schemaRefs>
+    <ds:schemaRef ds:uri="http://schemas.microsoft.com/VisualStudio/2011/storyboarding/control"/>
+  </ds:schemaRefs>
+</ds:datastoreItem>
+</file>
+
+<file path=customXml/itemProps31.xml><?xml version="1.0" encoding="utf-8"?>
+<ds:datastoreItem xmlns:ds="http://schemas.openxmlformats.org/officeDocument/2006/customXml" ds:itemID="{34E7C21D-63D1-4CF2-917E-6E99DFBE114D}">
+  <ds:schemaRefs>
+    <ds:schemaRef ds:uri="http://schemas.microsoft.com/VisualStudio/2011/storyboarding/control"/>
+  </ds:schemaRefs>
+</ds:datastoreItem>
+</file>
+
+<file path=customXml/itemProps32.xml><?xml version="1.0" encoding="utf-8"?>
+<ds:datastoreItem xmlns:ds="http://schemas.openxmlformats.org/officeDocument/2006/customXml" ds:itemID="{6FAA5058-347F-496C-994D-67AFD5AAD401}">
+  <ds:schemaRefs>
+    <ds:schemaRef ds:uri="http://schemas.microsoft.com/VisualStudio/2011/storyboarding/control"/>
+  </ds:schemaRefs>
+</ds:datastoreItem>
+</file>
+
+<file path=customXml/itemProps33.xml><?xml version="1.0" encoding="utf-8"?>
+<ds:datastoreItem xmlns:ds="http://schemas.openxmlformats.org/officeDocument/2006/customXml" ds:itemID="{3B516881-4C72-49F0-ABE2-DA01764D0F1B}">
+  <ds:schemaRefs>
+    <ds:schemaRef ds:uri="http://schemas.microsoft.com/VisualStudio/2011/storyboarding/control"/>
+  </ds:schemaRefs>
+</ds:datastoreItem>
+</file>
+
+<file path=customXml/itemProps34.xml><?xml version="1.0" encoding="utf-8"?>
 <ds:datastoreItem xmlns:ds="http://schemas.openxmlformats.org/officeDocument/2006/customXml" ds:itemID="{493E5169-A32E-46EE-9D5F-E15F8D6F34D3}">
   <ds:schemaRefs>
     <ds:schemaRef ds:uri="http://schemas.microsoft.com/VisualStudio/2011/storyboarding/control"/>
@@ -22148,64 +22288,8 @@
 </ds:datastoreItem>
 </file>
 
-<file path=customXml/itemProps29.xml><?xml version="1.0" encoding="utf-8"?>
-<ds:datastoreItem xmlns:ds="http://schemas.openxmlformats.org/officeDocument/2006/customXml" ds:itemID="{EBFD5C5F-6FF9-4ED5-A632-EE4CAB837CFE}">
-  <ds:schemaRefs>
-    <ds:schemaRef ds:uri="http://schemas.microsoft.com/VisualStudio/2011/storyboarding/control"/>
-  </ds:schemaRefs>
-</ds:datastoreItem>
-</file>
-
-<file path=customXml/itemProps3.xml><?xml version="1.0" encoding="utf-8"?>
-<ds:datastoreItem xmlns:ds="http://schemas.openxmlformats.org/officeDocument/2006/customXml" ds:itemID="{74E285C1-FEE9-4653-8976-43C41AE533F9}">
-  <ds:schemaRefs>
-    <ds:schemaRef ds:uri="http://schemas.microsoft.com/VisualStudio/2011/storyboarding/control"/>
-  </ds:schemaRefs>
-</ds:datastoreItem>
-</file>
-
-<file path=customXml/itemProps30.xml><?xml version="1.0" encoding="utf-8"?>
-<ds:datastoreItem xmlns:ds="http://schemas.openxmlformats.org/officeDocument/2006/customXml" ds:itemID="{5F434E7D-8827-4E47-AAAC-112E63350749}">
-  <ds:schemaRefs>
-    <ds:schemaRef ds:uri="http://schemas.microsoft.com/VisualStudio/2011/storyboarding/control"/>
-  </ds:schemaRefs>
-</ds:datastoreItem>
-</file>
-
-<file path=customXml/itemProps31.xml><?xml version="1.0" encoding="utf-8"?>
-<ds:datastoreItem xmlns:ds="http://schemas.openxmlformats.org/officeDocument/2006/customXml" ds:itemID="{3276597C-028E-404E-9A0D-8BC1EC6D166E}">
-  <ds:schemaRefs>
-    <ds:schemaRef ds:uri="http://schemas.microsoft.com/VisualStudio/2011/storyboarding/control"/>
-  </ds:schemaRefs>
-</ds:datastoreItem>
-</file>
-
-<file path=customXml/itemProps32.xml><?xml version="1.0" encoding="utf-8"?>
-<ds:datastoreItem xmlns:ds="http://schemas.openxmlformats.org/officeDocument/2006/customXml" ds:itemID="{F02E4F68-C761-47F5-95AD-52BA5A5B2189}">
-  <ds:schemaRefs>
-    <ds:schemaRef ds:uri="http://schemas.microsoft.com/VisualStudio/2011/storyboarding/control"/>
-  </ds:schemaRefs>
-</ds:datastoreItem>
-</file>
-
-<file path=customXml/itemProps33.xml><?xml version="1.0" encoding="utf-8"?>
-<ds:datastoreItem xmlns:ds="http://schemas.openxmlformats.org/officeDocument/2006/customXml" ds:itemID="{31A316BA-830C-46B0-B8E4-8734C88AC532}">
-  <ds:schemaRefs>
-    <ds:schemaRef ds:uri="http://schemas.microsoft.com/VisualStudio/2011/storyboarding/control"/>
-  </ds:schemaRefs>
-</ds:datastoreItem>
-</file>
-
-<file path=customXml/itemProps34.xml><?xml version="1.0" encoding="utf-8"?>
-<ds:datastoreItem xmlns:ds="http://schemas.openxmlformats.org/officeDocument/2006/customXml" ds:itemID="{4CE38429-8A88-48A2-A25C-282327DDE98C}">
-  <ds:schemaRefs>
-    <ds:schemaRef ds:uri="http://schemas.microsoft.com/VisualStudio/2011/storyboarding/control"/>
-  </ds:schemaRefs>
-</ds:datastoreItem>
-</file>
-
 <file path=customXml/itemProps35.xml><?xml version="1.0" encoding="utf-8"?>
-<ds:datastoreItem xmlns:ds="http://schemas.openxmlformats.org/officeDocument/2006/customXml" ds:itemID="{6D201E83-92CD-438B-8163-3C3E9A16B209}">
+<ds:datastoreItem xmlns:ds="http://schemas.openxmlformats.org/officeDocument/2006/customXml" ds:itemID="{28770D35-1427-4705-9C03-766FD4A5FEB2}">
   <ds:schemaRefs>
     <ds:schemaRef ds:uri="http://schemas.microsoft.com/VisualStudio/2011/storyboarding/control"/>
   </ds:schemaRefs>
@@ -22213,7 +22297,7 @@
 </file>
 
 <file path=customXml/itemProps36.xml><?xml version="1.0" encoding="utf-8"?>
-<ds:datastoreItem xmlns:ds="http://schemas.openxmlformats.org/officeDocument/2006/customXml" ds:itemID="{28770D35-1427-4705-9C03-766FD4A5FEB2}">
+<ds:datastoreItem xmlns:ds="http://schemas.openxmlformats.org/officeDocument/2006/customXml" ds:itemID="{6F7CA8C6-7CD8-4354-856C-1B8CDA209604}">
   <ds:schemaRefs>
     <ds:schemaRef ds:uri="http://schemas.microsoft.com/VisualStudio/2011/storyboarding/control"/>
   </ds:schemaRefs>
@@ -22221,7 +22305,7 @@
 </file>
 
 <file path=customXml/itemProps37.xml><?xml version="1.0" encoding="utf-8"?>
-<ds:datastoreItem xmlns:ds="http://schemas.openxmlformats.org/officeDocument/2006/customXml" ds:itemID="{E0EE7AFF-9F95-4993-A4E8-A9CD3E9672EC}">
+<ds:datastoreItem xmlns:ds="http://schemas.openxmlformats.org/officeDocument/2006/customXml" ds:itemID="{93483E70-B105-4130-B774-0746440B8C9F}">
   <ds:schemaRefs>
     <ds:schemaRef ds:uri="http://schemas.microsoft.com/VisualStudio/2011/storyboarding/control"/>
   </ds:schemaRefs>
@@ -22229,7 +22313,7 @@
 </file>
 
 <file path=customXml/itemProps38.xml><?xml version="1.0" encoding="utf-8"?>
-<ds:datastoreItem xmlns:ds="http://schemas.openxmlformats.org/officeDocument/2006/customXml" ds:itemID="{0FCA21B5-BC03-4E0C-AD27-5A0079842B5C}">
+<ds:datastoreItem xmlns:ds="http://schemas.openxmlformats.org/officeDocument/2006/customXml" ds:itemID="{35406FC8-9550-4B12-961D-C65D0D7C9801}">
   <ds:schemaRefs>
     <ds:schemaRef ds:uri="http://schemas.microsoft.com/VisualStudio/2011/storyboarding/control"/>
   </ds:schemaRefs>
@@ -22245,7 +22329,7 @@
 </file>
 
 <file path=customXml/itemProps4.xml><?xml version="1.0" encoding="utf-8"?>
-<ds:datastoreItem xmlns:ds="http://schemas.openxmlformats.org/officeDocument/2006/customXml" ds:itemID="{820EFFDD-1138-4C42-9E94-3AE29F67B081}">
+<ds:datastoreItem xmlns:ds="http://schemas.openxmlformats.org/officeDocument/2006/customXml" ds:itemID="{EBFD5C5F-6FF9-4ED5-A632-EE4CAB837CFE}">
   <ds:schemaRefs>
     <ds:schemaRef ds:uri="http://schemas.microsoft.com/VisualStudio/2011/storyboarding/control"/>
   </ds:schemaRefs>
@@ -22253,7 +22337,7 @@
 </file>
 
 <file path=customXml/itemProps40.xml><?xml version="1.0" encoding="utf-8"?>
-<ds:datastoreItem xmlns:ds="http://schemas.openxmlformats.org/officeDocument/2006/customXml" ds:itemID="{A614BF6A-6A61-486E-9142-9D5056D7EB4D}">
+<ds:datastoreItem xmlns:ds="http://schemas.openxmlformats.org/officeDocument/2006/customXml" ds:itemID="{001F1A4E-7DC0-4181-B073-09E30FC8E5C2}">
   <ds:schemaRefs>
     <ds:schemaRef ds:uri="http://schemas.microsoft.com/VisualStudio/2011/storyboarding/control"/>
   </ds:schemaRefs>
@@ -22261,7 +22345,7 @@
 </file>
 
 <file path=customXml/itemProps41.xml><?xml version="1.0" encoding="utf-8"?>
-<ds:datastoreItem xmlns:ds="http://schemas.openxmlformats.org/officeDocument/2006/customXml" ds:itemID="{F4BD737D-A278-47F7-9F1F-CB0AD50B0122}">
+<ds:datastoreItem xmlns:ds="http://schemas.openxmlformats.org/officeDocument/2006/customXml" ds:itemID="{4CE38429-8A88-48A2-A25C-282327DDE98C}">
   <ds:schemaRefs>
     <ds:schemaRef ds:uri="http://schemas.microsoft.com/VisualStudio/2011/storyboarding/control"/>
   </ds:schemaRefs>
@@ -22276,8 +22360,16 @@
 </ds:datastoreItem>
 </file>
 
+<file path=customXml/itemProps43.xml><?xml version="1.0" encoding="utf-8"?>
+<ds:datastoreItem xmlns:ds="http://schemas.openxmlformats.org/officeDocument/2006/customXml" ds:itemID="{52839036-C58C-4EEB-8810-5FADE88F6933}">
+  <ds:schemaRefs>
+    <ds:schemaRef ds:uri="http://schemas.microsoft.com/VisualStudio/2011/storyboarding/control"/>
+  </ds:schemaRefs>
+</ds:datastoreItem>
+</file>
+
 <file path=customXml/itemProps5.xml><?xml version="1.0" encoding="utf-8"?>
-<ds:datastoreItem xmlns:ds="http://schemas.openxmlformats.org/officeDocument/2006/customXml" ds:itemID="{950EFA23-5C6D-4115-9FBE-0DC8B7C729D6}">
+<ds:datastoreItem xmlns:ds="http://schemas.openxmlformats.org/officeDocument/2006/customXml" ds:itemID="{74C3B84C-EB60-4E0A-86A9-CE1EF5F3EE5E}">
   <ds:schemaRefs>
     <ds:schemaRef ds:uri="http://schemas.microsoft.com/VisualStudio/2011/storyboarding/control"/>
   </ds:schemaRefs>
@@ -22285,7 +22377,7 @@
 </file>
 
 <file path=customXml/itemProps6.xml><?xml version="1.0" encoding="utf-8"?>
-<ds:datastoreItem xmlns:ds="http://schemas.openxmlformats.org/officeDocument/2006/customXml" ds:itemID="{34E7C21D-63D1-4CF2-917E-6E99DFBE114D}">
+<ds:datastoreItem xmlns:ds="http://schemas.openxmlformats.org/officeDocument/2006/customXml" ds:itemID="{A6081D60-919F-4E67-BB2D-35B31BA24912}">
   <ds:schemaRefs>
     <ds:schemaRef ds:uri="http://schemas.microsoft.com/VisualStudio/2011/storyboarding/control"/>
   </ds:schemaRefs>
@@ -22293,7 +22385,7 @@
 </file>
 
 <file path=customXml/itemProps7.xml><?xml version="1.0" encoding="utf-8"?>
-<ds:datastoreItem xmlns:ds="http://schemas.openxmlformats.org/officeDocument/2006/customXml" ds:itemID="{F034DB33-0248-4A6E-9B15-8EE41F8E0EF7}">
+<ds:datastoreItem xmlns:ds="http://schemas.openxmlformats.org/officeDocument/2006/customXml" ds:itemID="{F02E4F68-C761-47F5-95AD-52BA5A5B2189}">
   <ds:schemaRefs>
     <ds:schemaRef ds:uri="http://schemas.microsoft.com/VisualStudio/2011/storyboarding/control"/>
   </ds:schemaRefs>
@@ -22301,7 +22393,7 @@
 </file>
 
 <file path=customXml/itemProps8.xml><?xml version="1.0" encoding="utf-8"?>
-<ds:datastoreItem xmlns:ds="http://schemas.openxmlformats.org/officeDocument/2006/customXml" ds:itemID="{13AC290A-E857-4ABB-B045-723D440B17B8}">
+<ds:datastoreItem xmlns:ds="http://schemas.openxmlformats.org/officeDocument/2006/customXml" ds:itemID="{E0EE7AFF-9F95-4993-A4E8-A9CD3E9672EC}">
   <ds:schemaRefs>
     <ds:schemaRef ds:uri="http://schemas.microsoft.com/VisualStudio/2011/storyboarding/control"/>
   </ds:schemaRefs>
@@ -22309,7 +22401,7 @@
 </file>
 
 <file path=customXml/itemProps9.xml><?xml version="1.0" encoding="utf-8"?>
-<ds:datastoreItem xmlns:ds="http://schemas.openxmlformats.org/officeDocument/2006/customXml" ds:itemID="{CB873FB7-0569-4E0C-B62F-D8017DC45E1D}">
+<ds:datastoreItem xmlns:ds="http://schemas.openxmlformats.org/officeDocument/2006/customXml" ds:itemID="{A614BF6A-6A61-486E-9142-9D5056D7EB4D}">
   <ds:schemaRefs>
     <ds:schemaRef ds:uri="http://schemas.microsoft.com/VisualStudio/2011/storyboarding/control"/>
   </ds:schemaRefs>

--- a/Documentation/návrhUI.pptx
+++ b/Documentation/návrhUI.pptx
@@ -250,7 +250,7 @@
           <a:p>
             <a:fld id="{7F381478-716B-4BEA-BF2C-35BB2CBEF745}" type="datetimeFigureOut">
               <a:rPr lang="cs-CZ" smtClean="0"/>
-              <a:t>3.5.2016</a:t>
+              <a:t>10.5.2016</a:t>
             </a:fld>
             <a:endParaRPr lang="cs-CZ"/>
           </a:p>
@@ -420,7 +420,7 @@
           <a:p>
             <a:fld id="{7F381478-716B-4BEA-BF2C-35BB2CBEF745}" type="datetimeFigureOut">
               <a:rPr lang="cs-CZ" smtClean="0"/>
-              <a:t>3.5.2016</a:t>
+              <a:t>10.5.2016</a:t>
             </a:fld>
             <a:endParaRPr lang="cs-CZ"/>
           </a:p>
@@ -600,7 +600,7 @@
           <a:p>
             <a:fld id="{7F381478-716B-4BEA-BF2C-35BB2CBEF745}" type="datetimeFigureOut">
               <a:rPr lang="cs-CZ" smtClean="0"/>
-              <a:t>3.5.2016</a:t>
+              <a:t>10.5.2016</a:t>
             </a:fld>
             <a:endParaRPr lang="cs-CZ"/>
           </a:p>
@@ -770,7 +770,7 @@
           <a:p>
             <a:fld id="{7F381478-716B-4BEA-BF2C-35BB2CBEF745}" type="datetimeFigureOut">
               <a:rPr lang="cs-CZ" smtClean="0"/>
-              <a:t>3.5.2016</a:t>
+              <a:t>10.5.2016</a:t>
             </a:fld>
             <a:endParaRPr lang="cs-CZ"/>
           </a:p>
@@ -1016,7 +1016,7 @@
           <a:p>
             <a:fld id="{7F381478-716B-4BEA-BF2C-35BB2CBEF745}" type="datetimeFigureOut">
               <a:rPr lang="cs-CZ" smtClean="0"/>
-              <a:t>3.5.2016</a:t>
+              <a:t>10.5.2016</a:t>
             </a:fld>
             <a:endParaRPr lang="cs-CZ"/>
           </a:p>
@@ -1248,7 +1248,7 @@
           <a:p>
             <a:fld id="{7F381478-716B-4BEA-BF2C-35BB2CBEF745}" type="datetimeFigureOut">
               <a:rPr lang="cs-CZ" smtClean="0"/>
-              <a:t>3.5.2016</a:t>
+              <a:t>10.5.2016</a:t>
             </a:fld>
             <a:endParaRPr lang="cs-CZ"/>
           </a:p>
@@ -1615,7 +1615,7 @@
           <a:p>
             <a:fld id="{7F381478-716B-4BEA-BF2C-35BB2CBEF745}" type="datetimeFigureOut">
               <a:rPr lang="cs-CZ" smtClean="0"/>
-              <a:t>3.5.2016</a:t>
+              <a:t>10.5.2016</a:t>
             </a:fld>
             <a:endParaRPr lang="cs-CZ"/>
           </a:p>
@@ -1733,7 +1733,7 @@
           <a:p>
             <a:fld id="{7F381478-716B-4BEA-BF2C-35BB2CBEF745}" type="datetimeFigureOut">
               <a:rPr lang="cs-CZ" smtClean="0"/>
-              <a:t>3.5.2016</a:t>
+              <a:t>10.5.2016</a:t>
             </a:fld>
             <a:endParaRPr lang="cs-CZ"/>
           </a:p>
@@ -1828,7 +1828,7 @@
           <a:p>
             <a:fld id="{7F381478-716B-4BEA-BF2C-35BB2CBEF745}" type="datetimeFigureOut">
               <a:rPr lang="cs-CZ" smtClean="0"/>
-              <a:t>3.5.2016</a:t>
+              <a:t>10.5.2016</a:t>
             </a:fld>
             <a:endParaRPr lang="cs-CZ"/>
           </a:p>
@@ -2105,7 +2105,7 @@
           <a:p>
             <a:fld id="{7F381478-716B-4BEA-BF2C-35BB2CBEF745}" type="datetimeFigureOut">
               <a:rPr lang="cs-CZ" smtClean="0"/>
-              <a:t>3.5.2016</a:t>
+              <a:t>10.5.2016</a:t>
             </a:fld>
             <a:endParaRPr lang="cs-CZ"/>
           </a:p>
@@ -2358,7 +2358,7 @@
           <a:p>
             <a:fld id="{7F381478-716B-4BEA-BF2C-35BB2CBEF745}" type="datetimeFigureOut">
               <a:rPr lang="cs-CZ" smtClean="0"/>
-              <a:t>3.5.2016</a:t>
+              <a:t>10.5.2016</a:t>
             </a:fld>
             <a:endParaRPr lang="cs-CZ"/>
           </a:p>
@@ -2571,7 +2571,7 @@
           <a:p>
             <a:fld id="{7F381478-716B-4BEA-BF2C-35BB2CBEF745}" type="datetimeFigureOut">
               <a:rPr lang="cs-CZ" smtClean="0"/>
-              <a:t>3.5.2016</a:t>
+              <a:t>10.5.2016</a:t>
             </a:fld>
             <a:endParaRPr lang="cs-CZ"/>
           </a:p>
@@ -21808,37 +21808,37 @@
 
 <file path=customXml/item1.xml><?xml version="1.0" encoding="utf-8"?>
 <Control xmlns="http://schemas.microsoft.com/VisualStudio/2011/storyboarding/control">
-  <Id Name="System.Storyboarding.Backgrounds.WebBrowser" Revision="1" Stencil="System.Storyboarding.Backgrounds" StencilVersion="0.1"/>
+  <Id Name="System.Storyboarding.WindowsDesktop.MenuBar" Revision="1" Stencil="System.Storyboarding.WindowsDesktop" StencilVersion="0.1"/>
 </Control>
 </file>
 
 <file path=customXml/item10.xml><?xml version="1.0" encoding="utf-8"?>
 <Control xmlns="http://schemas.microsoft.com/VisualStudio/2011/storyboarding/control">
-  <Id Name="System.Storyboarding.Common.Button" Revision="1" Stencil="System.Storyboarding.Common" StencilVersion="0.1"/>
+  <Id Name="System.Storyboarding.Backgrounds.WebBrowser" Revision="1" Stencil="System.Storyboarding.Backgrounds" StencilVersion="0.1"/>
 </Control>
 </file>
 
 <file path=customXml/item11.xml><?xml version="1.0" encoding="utf-8"?>
 <Control xmlns="http://schemas.microsoft.com/VisualStudio/2011/storyboarding/control">
-  <Id Name="System.Storyboarding.WindowsDesktop.MenuBar" Revision="1" Stencil="System.Storyboarding.WindowsDesktop" StencilVersion="0.1"/>
+  <Id Name="System.Storyboarding.Common.Button" Revision="1" Stencil="System.Storyboarding.Common" StencilVersion="0.1"/>
 </Control>
 </file>
 
 <file path=customXml/item12.xml><?xml version="1.0" encoding="utf-8"?>
 <Control xmlns="http://schemas.microsoft.com/VisualStudio/2011/storyboarding/control">
-  <Id Name="System.Storyboarding.Common.TextInput" Revision="1" Stencil="System.Storyboarding.Common" StencilVersion="0.1"/>
+  <Id Name="System.Storyboarding.Common.DataGrid" Revision="1" Stencil="System.Storyboarding.Common" StencilVersion="0.1"/>
 </Control>
 </file>
 
 <file path=customXml/item13.xml><?xml version="1.0" encoding="utf-8"?>
 <Control xmlns="http://schemas.microsoft.com/VisualStudio/2011/storyboarding/control">
-  <Id Name="System.Storyboarding.Common.Button" Revision="1" Stencil="System.Storyboarding.Common" StencilVersion="0.1"/>
+  <Id Name="System.Storyboarding.WindowsDesktop.MenuBar" Revision="1" Stencil="System.Storyboarding.WindowsDesktop" StencilVersion="0.1"/>
 </Control>
 </file>
 
 <file path=customXml/item14.xml><?xml version="1.0" encoding="utf-8"?>
 <Control xmlns="http://schemas.microsoft.com/VisualStudio/2011/storyboarding/control">
-  <Id Name="System.Storyboarding.Common.DatePicker" Revision="1" Stencil="System.Storyboarding.Common" StencilVersion="0.1"/>
+  <Id Name="System.Storyboarding.Backgrounds.WebBrowser" Revision="1" Stencil="System.Storyboarding.Backgrounds" StencilVersion="0.1"/>
 </Control>
 </file>
 
@@ -21850,25 +21850,25 @@
 
 <file path=customXml/item16.xml><?xml version="1.0" encoding="utf-8"?>
 <Control xmlns="http://schemas.microsoft.com/VisualStudio/2011/storyboarding/control">
-  <Id Name="System.Storyboarding.WindowsDesktop.MenuBar" Revision="1" Stencil="System.Storyboarding.WindowsDesktop" StencilVersion="0.1"/>
+  <Id Name="System.Storyboarding.Common.DatePicker" Revision="1" Stencil="System.Storyboarding.Common" StencilVersion="0.1"/>
 </Control>
 </file>
 
 <file path=customXml/item17.xml><?xml version="1.0" encoding="utf-8"?>
 <Control xmlns="http://schemas.microsoft.com/VisualStudio/2011/storyboarding/control">
-  <Id Name="System.Storyboarding.WindowsDesktop.MenuBar" Revision="1" Stencil="System.Storyboarding.WindowsDesktop" StencilVersion="0.1"/>
+  <Id Name="System.Storyboarding.Common.DataGrid" Revision="1" Stencil="System.Storyboarding.Common" StencilVersion="0.1"/>
 </Control>
 </file>
 
 <file path=customXml/item18.xml><?xml version="1.0" encoding="utf-8"?>
 <Control xmlns="http://schemas.microsoft.com/VisualStudio/2011/storyboarding/control">
-  <Id Name="System.Storyboarding.WindowsDesktop.MenuBar" Revision="1" Stencil="System.Storyboarding.WindowsDesktop" StencilVersion="0.1"/>
+  <Id Name="System.Storyboarding.Common.Button" Revision="1" Stencil="System.Storyboarding.Common" StencilVersion="0.1"/>
 </Control>
 </file>
 
 <file path=customXml/item19.xml><?xml version="1.0" encoding="utf-8"?>
 <Control xmlns="http://schemas.microsoft.com/VisualStudio/2011/storyboarding/control">
-  <Id Name="System.Storyboarding.Common.DataGrid" Revision="1" Stencil="System.Storyboarding.Common" StencilVersion="0.1"/>
+  <Id Name="System.Storyboarding.Backgrounds.WebBrowser" Revision="1" Stencil="System.Storyboarding.Backgrounds" StencilVersion="0.1"/>
 </Control>
 </file>
 
@@ -21880,103 +21880,103 @@
 
 <file path=customXml/item20.xml><?xml version="1.0" encoding="utf-8"?>
 <Control xmlns="http://schemas.microsoft.com/VisualStudio/2011/storyboarding/control">
-  <Id Name="System.Storyboarding.Common.DatePicker" Revision="1" Stencil="System.Storyboarding.Common" StencilVersion="0.1"/>
+  <Id Name="System.Storyboarding.Common.TextInput" Revision="1" Stencil="System.Storyboarding.Common" StencilVersion="0.1"/>
 </Control>
 </file>
 
 <file path=customXml/item21.xml><?xml version="1.0" encoding="utf-8"?>
 <Control xmlns="http://schemas.microsoft.com/VisualStudio/2011/storyboarding/control">
-  <Id Name="System.Storyboarding.Common.DataGrid" Revision="1" Stencil="System.Storyboarding.Common" StencilVersion="0.1"/>
+  <Id Name="System.Storyboarding.Common.Button" Revision="1" Stencil="System.Storyboarding.Common" StencilVersion="0.1"/>
 </Control>
 </file>
 
 <file path=customXml/item22.xml><?xml version="1.0" encoding="utf-8"?>
 <Control xmlns="http://schemas.microsoft.com/VisualStudio/2011/storyboarding/control">
-  <Id Name="System.Storyboarding.Common.DataGrid" Revision="1" Stencil="System.Storyboarding.Common" StencilVersion="0.1"/>
+  <Id Name="System.Storyboarding.Backgrounds.WebBrowser" Revision="1" Stencil="System.Storyboarding.Backgrounds" StencilVersion="0.1"/>
 </Control>
 </file>
 
 <file path=customXml/item23.xml><?xml version="1.0" encoding="utf-8"?>
 <Control xmlns="http://schemas.microsoft.com/VisualStudio/2011/storyboarding/control">
-  <Id Name="System.Storyboarding.Common.DataGrid" Revision="1" Stencil="System.Storyboarding.Common" StencilVersion="0.1"/>
+  <Id Name="System.Storyboarding.Common.Button" Revision="1" Stencil="System.Storyboarding.Common" StencilVersion="0.1"/>
 </Control>
 </file>
 
 <file path=customXml/item24.xml><?xml version="1.0" encoding="utf-8"?>
 <Control xmlns="http://schemas.microsoft.com/VisualStudio/2011/storyboarding/control">
-  <Id Name="System.Storyboarding.WindowsDesktop.MenuBar" Revision="1" Stencil="System.Storyboarding.WindowsDesktop" StencilVersion="0.1"/>
+  <Id Name="System.Storyboarding.Common.TextInput" Revision="1" Stencil="System.Storyboarding.Common" StencilVersion="0.1"/>
 </Control>
 </file>
 
 <file path=customXml/item25.xml><?xml version="1.0" encoding="utf-8"?>
 <Control xmlns="http://schemas.microsoft.com/VisualStudio/2011/storyboarding/control">
-  <Id Name="System.Storyboarding.Backgrounds.WebBrowser" Revision="1" Stencil="System.Storyboarding.Backgrounds" StencilVersion="0.1"/>
+  <Id Name="System.Storyboarding.WindowsDesktop.MenuBar" Revision="1" Stencil="System.Storyboarding.WindowsDesktop" StencilVersion="0.1"/>
 </Control>
 </file>
 
 <file path=customXml/item26.xml><?xml version="1.0" encoding="utf-8"?>
 <Control xmlns="http://schemas.microsoft.com/VisualStudio/2011/storyboarding/control">
-  <Id Name="System.Storyboarding.Common.TextInput" Revision="1" Stencil="System.Storyboarding.Common" StencilVersion="0.1"/>
+  <Id Name="System.Storyboarding.Backgrounds.WebBrowser" Revision="1" Stencil="System.Storyboarding.Backgrounds" StencilVersion="0.1"/>
 </Control>
 </file>
 
 <file path=customXml/item27.xml><?xml version="1.0" encoding="utf-8"?>
 <Control xmlns="http://schemas.microsoft.com/VisualStudio/2011/storyboarding/control">
-  <Id Name="System.Storyboarding.Common.Button" Revision="1" Stencil="System.Storyboarding.Common" StencilVersion="0.1"/>
+  <Id Name="System.Storyboarding.Common.TextInput" Revision="1" Stencil="System.Storyboarding.Common" StencilVersion="0.1"/>
 </Control>
 </file>
 
 <file path=customXml/item28.xml><?xml version="1.0" encoding="utf-8"?>
 <Control xmlns="http://schemas.microsoft.com/VisualStudio/2011/storyboarding/control">
-  <Id Name="System.Storyboarding.Backgrounds.WebBrowser" Revision="1" Stencil="System.Storyboarding.Backgrounds" StencilVersion="0.1"/>
+  <Id Name="System.Storyboarding.Common.Button" Revision="1" Stencil="System.Storyboarding.Common" StencilVersion="0.1"/>
 </Control>
 </file>
 
 <file path=customXml/item29.xml><?xml version="1.0" encoding="utf-8"?>
 <Control xmlns="http://schemas.microsoft.com/VisualStudio/2011/storyboarding/control">
-  <Id Name="System.Storyboarding.Common.Button" Revision="1" Stencil="System.Storyboarding.Common" StencilVersion="0.1"/>
+  <Id Name="System.Storyboarding.Common.DatePicker" Revision="1" Stencil="System.Storyboarding.Common" StencilVersion="0.1"/>
 </Control>
 </file>
 
 <file path=customXml/item3.xml><?xml version="1.0" encoding="utf-8"?>
 <Control xmlns="http://schemas.microsoft.com/VisualStudio/2011/storyboarding/control">
-  <Id Name="System.Storyboarding.Common.Button" Revision="1" Stencil="System.Storyboarding.Common" StencilVersion="0.1"/>
+  <Id Name="System.Storyboarding.WindowsDesktop.MenuBar" Revision="1" Stencil="System.Storyboarding.WindowsDesktop" StencilVersion="0.1"/>
 </Control>
 </file>
 
 <file path=customXml/item30.xml><?xml version="1.0" encoding="utf-8"?>
 <Control xmlns="http://schemas.microsoft.com/VisualStudio/2011/storyboarding/control">
-  <Id Name="System.Storyboarding.Backgrounds.WebBrowser" Revision="1" Stencil="System.Storyboarding.Backgrounds" StencilVersion="0.1"/>
+  <Id Name="System.Storyboarding.Common.TextInput" Revision="1" Stencil="System.Storyboarding.Common" StencilVersion="0.1"/>
 </Control>
 </file>
 
 <file path=customXml/item31.xml><?xml version="1.0" encoding="utf-8"?>
 <Control xmlns="http://schemas.microsoft.com/VisualStudio/2011/storyboarding/control">
-  <Id Name="System.Storyboarding.WindowsDesktop.MenuBar" Revision="1" Stencil="System.Storyboarding.WindowsDesktop" StencilVersion="0.1"/>
+  <Id Name="System.Storyboarding.Backgrounds.WebBrowser" Revision="1" Stencil="System.Storyboarding.Backgrounds" StencilVersion="0.1"/>
 </Control>
 </file>
 
 <file path=customXml/item32.xml><?xml version="1.0" encoding="utf-8"?>
 <Control xmlns="http://schemas.microsoft.com/VisualStudio/2011/storyboarding/control">
-  <Id Name="System.Storyboarding.Backgrounds.WebBrowser" Revision="1" Stencil="System.Storyboarding.Backgrounds" StencilVersion="0.1"/>
+  <Id Name="System.Storyboarding.Common.TextInput" Revision="1" Stencil="System.Storyboarding.Common" StencilVersion="0.1"/>
 </Control>
 </file>
 
 <file path=customXml/item33.xml><?xml version="1.0" encoding="utf-8"?>
 <Control xmlns="http://schemas.microsoft.com/VisualStudio/2011/storyboarding/control">
-  <Id Name="System.Storyboarding.Common.TextInput" Revision="1" Stencil="System.Storyboarding.Common" StencilVersion="0.1"/>
+  <Id Name="System.Storyboarding.Common.Button" Revision="1" Stencil="System.Storyboarding.Common" StencilVersion="0.1"/>
 </Control>
 </file>
 
 <file path=customXml/item34.xml><?xml version="1.0" encoding="utf-8"?>
 <Control xmlns="http://schemas.microsoft.com/VisualStudio/2011/storyboarding/control">
-  <Id Name="System.Storyboarding.Common.Button" Revision="1" Stencil="System.Storyboarding.Common" StencilVersion="0.1"/>
+  <Id Name="System.Storyboarding.Common.DataGrid" Revision="1" Stencil="System.Storyboarding.Common" StencilVersion="0.1"/>
 </Control>
 </file>
 
 <file path=customXml/item35.xml><?xml version="1.0" encoding="utf-8"?>
 <Control xmlns="http://schemas.microsoft.com/VisualStudio/2011/storyboarding/control">
-  <Id Name="System.Storyboarding.Common.TextInput" Revision="1" Stencil="System.Storyboarding.Common" StencilVersion="0.1"/>
+  <Id Name="System.Storyboarding.Backgrounds.WebBrowser" Revision="1" Stencil="System.Storyboarding.Backgrounds" StencilVersion="0.1"/>
 </Control>
 </file>
 
@@ -21988,25 +21988,25 @@
 
 <file path=customXml/item37.xml><?xml version="1.0" encoding="utf-8"?>
 <Control xmlns="http://schemas.microsoft.com/VisualStudio/2011/storyboarding/control">
-  <Id Name="System.Storyboarding.Common.TextInput" Revision="1" Stencil="System.Storyboarding.Common" StencilVersion="0.1"/>
+  <Id Name="System.Storyboarding.Common.Button" Revision="1" Stencil="System.Storyboarding.Common" StencilVersion="0.1"/>
 </Control>
 </file>
 
 <file path=customXml/item38.xml><?xml version="1.0" encoding="utf-8"?>
 <Control xmlns="http://schemas.microsoft.com/VisualStudio/2011/storyboarding/control">
-  <Id Name="System.Storyboarding.Common.Button" Revision="1" Stencil="System.Storyboarding.Common" StencilVersion="0.1"/>
+  <Id Name="System.Storyboarding.WindowsDesktop.MenuBar" Revision="1" Stencil="System.Storyboarding.WindowsDesktop" StencilVersion="0.1"/>
 </Control>
 </file>
 
 <file path=customXml/item39.xml><?xml version="1.0" encoding="utf-8"?>
 <Control xmlns="http://schemas.microsoft.com/VisualStudio/2011/storyboarding/control">
-  <Id Name="System.Storyboarding.Common.Button" Revision="1" Stencil="System.Storyboarding.Common" StencilVersion="0.1"/>
+  <Id Name="System.Storyboarding.Common.TextInput" Revision="1" Stencil="System.Storyboarding.Common" StencilVersion="0.1"/>
 </Control>
 </file>
 
 <file path=customXml/item4.xml><?xml version="1.0" encoding="utf-8"?>
 <Control xmlns="http://schemas.microsoft.com/VisualStudio/2011/storyboarding/control">
-  <Id Name="System.Storyboarding.Backgrounds.WebBrowser" Revision="1" Stencil="System.Storyboarding.Backgrounds" StencilVersion="0.1"/>
+  <Id Name="System.Storyboarding.Common.Button" Revision="1" Stencil="System.Storyboarding.Common" StencilVersion="0.1"/>
 </Control>
 </file>
 
@@ -22018,7 +22018,7 @@
 
 <file path=customXml/item41.xml><?xml version="1.0" encoding="utf-8"?>
 <Control xmlns="http://schemas.microsoft.com/VisualStudio/2011/storyboarding/control">
-  <Id Name="System.Storyboarding.Common.TextInput" Revision="1" Stencil="System.Storyboarding.Common" StencilVersion="0.1"/>
+  <Id Name="System.Storyboarding.Common.DataGrid" Revision="1" Stencil="System.Storyboarding.Common" StencilVersion="0.1"/>
 </Control>
 </file>
 
@@ -22036,25 +22036,25 @@
 
 <file path=customXml/item5.xml><?xml version="1.0" encoding="utf-8"?>
 <Control xmlns="http://schemas.microsoft.com/VisualStudio/2011/storyboarding/control">
-  <Id Name="System.Storyboarding.Backgrounds.WebBrowser" Revision="1" Stencil="System.Storyboarding.Backgrounds" StencilVersion="0.1"/>
+  <Id Name="System.Storyboarding.WindowsDesktop.MenuBar" Revision="1" Stencil="System.Storyboarding.WindowsDesktop" StencilVersion="0.1"/>
 </Control>
 </file>
 
 <file path=customXml/item6.xml><?xml version="1.0" encoding="utf-8"?>
 <Control xmlns="http://schemas.microsoft.com/VisualStudio/2011/storyboarding/control">
-  <Id Name="System.Storyboarding.Common.TextInput" Revision="1" Stencil="System.Storyboarding.Common" StencilVersion="0.1"/>
+  <Id Name="System.Storyboarding.WindowsDesktop.MenuBar" Revision="1" Stencil="System.Storyboarding.WindowsDesktop" StencilVersion="0.1"/>
 </Control>
 </file>
 
 <file path=customXml/item7.xml><?xml version="1.0" encoding="utf-8"?>
 <Control xmlns="http://schemas.microsoft.com/VisualStudio/2011/storyboarding/control">
-  <Id Name="System.Storyboarding.WindowsDesktop.MenuBar" Revision="1" Stencil="System.Storyboarding.WindowsDesktop" StencilVersion="0.1"/>
+  <Id Name="System.Storyboarding.Backgrounds.WebBrowser" Revision="1" Stencil="System.Storyboarding.Backgrounds" StencilVersion="0.1"/>
 </Control>
 </file>
 
 <file path=customXml/item8.xml><?xml version="1.0" encoding="utf-8"?>
 <Control xmlns="http://schemas.microsoft.com/VisualStudio/2011/storyboarding/control">
-  <Id Name="System.Storyboarding.Backgrounds.WebBrowser" Revision="1" Stencil="System.Storyboarding.Backgrounds" StencilVersion="0.1"/>
+  <Id Name="System.Storyboarding.Common.TextInput" Revision="1" Stencil="System.Storyboarding.Common" StencilVersion="0.1"/>
 </Control>
 </file>
 
@@ -22065,7 +22065,7 @@
 </file>
 
 <file path=customXml/itemProps1.xml><?xml version="1.0" encoding="utf-8"?>
-<ds:datastoreItem xmlns:ds="http://schemas.openxmlformats.org/officeDocument/2006/customXml" ds:itemID="{F034DB33-0248-4A6E-9B15-8EE41F8E0EF7}">
+<ds:datastoreItem xmlns:ds="http://schemas.openxmlformats.org/officeDocument/2006/customXml" ds:itemID="{F02E4F68-C761-47F5-95AD-52BA5A5B2189}">
   <ds:schemaRefs>
     <ds:schemaRef ds:uri="http://schemas.microsoft.com/VisualStudio/2011/storyboarding/control"/>
   </ds:schemaRefs>
@@ -22073,6 +22073,14 @@
 </file>
 
 <file path=customXml/itemProps10.xml><?xml version="1.0" encoding="utf-8"?>
+<ds:datastoreItem xmlns:ds="http://schemas.openxmlformats.org/officeDocument/2006/customXml" ds:itemID="{74C3B84C-EB60-4E0A-86A9-CE1EF5F3EE5E}">
+  <ds:schemaRefs>
+    <ds:schemaRef ds:uri="http://schemas.microsoft.com/VisualStudio/2011/storyboarding/control"/>
+  </ds:schemaRefs>
+</ds:datastoreItem>
+</file>
+
+<file path=customXml/itemProps11.xml><?xml version="1.0" encoding="utf-8"?>
 <ds:datastoreItem xmlns:ds="http://schemas.openxmlformats.org/officeDocument/2006/customXml" ds:itemID="{950EFA23-5C6D-4115-9FBE-0DC8B7C729D6}">
   <ds:schemaRefs>
     <ds:schemaRef ds:uri="http://schemas.microsoft.com/VisualStudio/2011/storyboarding/control"/>
@@ -22080,16 +22088,8 @@
 </ds:datastoreItem>
 </file>
 
-<file path=customXml/itemProps11.xml><?xml version="1.0" encoding="utf-8"?>
-<ds:datastoreItem xmlns:ds="http://schemas.openxmlformats.org/officeDocument/2006/customXml" ds:itemID="{A5319377-888B-4A1E-B2E1-A01F5778259E}">
-  <ds:schemaRefs>
-    <ds:schemaRef ds:uri="http://schemas.microsoft.com/VisualStudio/2011/storyboarding/control"/>
-  </ds:schemaRefs>
-</ds:datastoreItem>
-</file>
-
 <file path=customXml/itemProps12.xml><?xml version="1.0" encoding="utf-8"?>
-<ds:datastoreItem xmlns:ds="http://schemas.openxmlformats.org/officeDocument/2006/customXml" ds:itemID="{985FE3BE-7B77-44B5-AC2B-CB3D37855900}">
+<ds:datastoreItem xmlns:ds="http://schemas.openxmlformats.org/officeDocument/2006/customXml" ds:itemID="{5F434E7D-8827-4E47-AAAC-112E63350749}">
   <ds:schemaRefs>
     <ds:schemaRef ds:uri="http://schemas.microsoft.com/VisualStudio/2011/storyboarding/control"/>
   </ds:schemaRefs>
@@ -22097,7 +22097,7 @@
 </file>
 
 <file path=customXml/itemProps13.xml><?xml version="1.0" encoding="utf-8"?>
-<ds:datastoreItem xmlns:ds="http://schemas.openxmlformats.org/officeDocument/2006/customXml" ds:itemID="{3276597C-028E-404E-9A0D-8BC1EC6D166E}">
+<ds:datastoreItem xmlns:ds="http://schemas.openxmlformats.org/officeDocument/2006/customXml" ds:itemID="{34E7C21D-63D1-4CF2-917E-6E99DFBE114D}">
   <ds:schemaRefs>
     <ds:schemaRef ds:uri="http://schemas.microsoft.com/VisualStudio/2011/storyboarding/control"/>
   </ds:schemaRefs>
@@ -22105,6 +22105,22 @@
 </file>
 
 <file path=customXml/itemProps14.xml><?xml version="1.0" encoding="utf-8"?>
+<ds:datastoreItem xmlns:ds="http://schemas.openxmlformats.org/officeDocument/2006/customXml" ds:itemID="{EBFD5C5F-6FF9-4ED5-A632-EE4CAB837CFE}">
+  <ds:schemaRefs>
+    <ds:schemaRef ds:uri="http://schemas.microsoft.com/VisualStudio/2011/storyboarding/control"/>
+  </ds:schemaRefs>
+</ds:datastoreItem>
+</file>
+
+<file path=customXml/itemProps15.xml><?xml version="1.0" encoding="utf-8"?>
+<ds:datastoreItem xmlns:ds="http://schemas.openxmlformats.org/officeDocument/2006/customXml" ds:itemID="{A614BF6A-6A61-486E-9142-9D5056D7EB4D}">
+  <ds:schemaRefs>
+    <ds:schemaRef ds:uri="http://schemas.microsoft.com/VisualStudio/2011/storyboarding/control"/>
+  </ds:schemaRefs>
+</ds:datastoreItem>
+</file>
+
+<file path=customXml/itemProps16.xml><?xml version="1.0" encoding="utf-8"?>
 <ds:datastoreItem xmlns:ds="http://schemas.openxmlformats.org/officeDocument/2006/customXml" ds:itemID="{820EFFDD-1138-4C42-9E94-3AE29F67B081}">
   <ds:schemaRefs>
     <ds:schemaRef ds:uri="http://schemas.microsoft.com/VisualStudio/2011/storyboarding/control"/>
@@ -22112,24 +22128,8 @@
 </ds:datastoreItem>
 </file>
 
-<file path=customXml/itemProps15.xml><?xml version="1.0" encoding="utf-8"?>
-<ds:datastoreItem xmlns:ds="http://schemas.openxmlformats.org/officeDocument/2006/customXml" ds:itemID="{CB873FB7-0569-4E0C-B62F-D8017DC45E1D}">
-  <ds:schemaRefs>
-    <ds:schemaRef ds:uri="http://schemas.microsoft.com/VisualStudio/2011/storyboarding/control"/>
-  </ds:schemaRefs>
-</ds:datastoreItem>
-</file>
-
-<file path=customXml/itemProps16.xml><?xml version="1.0" encoding="utf-8"?>
-<ds:datastoreItem xmlns:ds="http://schemas.openxmlformats.org/officeDocument/2006/customXml" ds:itemID="{2FF8742B-721E-4FFE-A4AA-409DAD9A50C2}">
-  <ds:schemaRefs>
-    <ds:schemaRef ds:uri="http://schemas.microsoft.com/VisualStudio/2011/storyboarding/control"/>
-  </ds:schemaRefs>
-</ds:datastoreItem>
-</file>
-
 <file path=customXml/itemProps17.xml><?xml version="1.0" encoding="utf-8"?>
-<ds:datastoreItem xmlns:ds="http://schemas.openxmlformats.org/officeDocument/2006/customXml" ds:itemID="{D6CD23D1-34B4-43F9-8B27-178E06C60B0C}">
+<ds:datastoreItem xmlns:ds="http://schemas.openxmlformats.org/officeDocument/2006/customXml" ds:itemID="{74E285C1-FEE9-4653-8976-43C41AE533F9}">
   <ds:schemaRefs>
     <ds:schemaRef ds:uri="http://schemas.microsoft.com/VisualStudio/2011/storyboarding/control"/>
   </ds:schemaRefs>
@@ -22137,7 +22137,7 @@
 </file>
 
 <file path=customXml/itemProps18.xml><?xml version="1.0" encoding="utf-8"?>
-<ds:datastoreItem xmlns:ds="http://schemas.openxmlformats.org/officeDocument/2006/customXml" ds:itemID="{A45EFC53-8EB2-4BB1-93C4-FDA294E4CF9F}">
+<ds:datastoreItem xmlns:ds="http://schemas.openxmlformats.org/officeDocument/2006/customXml" ds:itemID="{0FCA21B5-BC03-4E0C-AD27-5A0079842B5C}">
   <ds:schemaRefs>
     <ds:schemaRef ds:uri="http://schemas.microsoft.com/VisualStudio/2011/storyboarding/control"/>
   </ds:schemaRefs>
@@ -22145,7 +22145,7 @@
 </file>
 
 <file path=customXml/itemProps19.xml><?xml version="1.0" encoding="utf-8"?>
-<ds:datastoreItem xmlns:ds="http://schemas.openxmlformats.org/officeDocument/2006/customXml" ds:itemID="{5F434E7D-8827-4E47-AAAC-112E63350749}">
+<ds:datastoreItem xmlns:ds="http://schemas.openxmlformats.org/officeDocument/2006/customXml" ds:itemID="{F47B1317-BF39-490D-A944-8A4E3CA15783}">
   <ds:schemaRefs>
     <ds:schemaRef ds:uri="http://schemas.microsoft.com/VisualStudio/2011/storyboarding/control"/>
   </ds:schemaRefs>
@@ -22161,6 +22161,78 @@
 </file>
 
 <file path=customXml/itemProps20.xml><?xml version="1.0" encoding="utf-8"?>
+<ds:datastoreItem xmlns:ds="http://schemas.openxmlformats.org/officeDocument/2006/customXml" ds:itemID="{28770D35-1427-4705-9C03-766FD4A5FEB2}">
+  <ds:schemaRefs>
+    <ds:schemaRef ds:uri="http://schemas.microsoft.com/VisualStudio/2011/storyboarding/control"/>
+  </ds:schemaRefs>
+</ds:datastoreItem>
+</file>
+
+<file path=customXml/itemProps21.xml><?xml version="1.0" encoding="utf-8"?>
+<ds:datastoreItem xmlns:ds="http://schemas.openxmlformats.org/officeDocument/2006/customXml" ds:itemID="{52839036-C58C-4EEB-8810-5FADE88F6933}">
+  <ds:schemaRefs>
+    <ds:schemaRef ds:uri="http://schemas.microsoft.com/VisualStudio/2011/storyboarding/control"/>
+  </ds:schemaRefs>
+</ds:datastoreItem>
+</file>
+
+<file path=customXml/itemProps22.xml><?xml version="1.0" encoding="utf-8"?>
+<ds:datastoreItem xmlns:ds="http://schemas.openxmlformats.org/officeDocument/2006/customXml" ds:itemID="{E0EE7AFF-9F95-4993-A4E8-A9CD3E9672EC}">
+  <ds:schemaRefs>
+    <ds:schemaRef ds:uri="http://schemas.microsoft.com/VisualStudio/2011/storyboarding/control"/>
+  </ds:schemaRefs>
+</ds:datastoreItem>
+</file>
+
+<file path=customXml/itemProps23.xml><?xml version="1.0" encoding="utf-8"?>
+<ds:datastoreItem xmlns:ds="http://schemas.openxmlformats.org/officeDocument/2006/customXml" ds:itemID="{0E441279-A17B-4F37-BE12-3282F1AB6263}">
+  <ds:schemaRefs>
+    <ds:schemaRef ds:uri="http://schemas.microsoft.com/VisualStudio/2011/storyboarding/control"/>
+  </ds:schemaRefs>
+</ds:datastoreItem>
+</file>
+
+<file path=customXml/itemProps24.xml><?xml version="1.0" encoding="utf-8"?>
+<ds:datastoreItem xmlns:ds="http://schemas.openxmlformats.org/officeDocument/2006/customXml" ds:itemID="{985FE3BE-7B77-44B5-AC2B-CB3D37855900}">
+  <ds:schemaRefs>
+    <ds:schemaRef ds:uri="http://schemas.microsoft.com/VisualStudio/2011/storyboarding/control"/>
+  </ds:schemaRefs>
+</ds:datastoreItem>
+</file>
+
+<file path=customXml/itemProps25.xml><?xml version="1.0" encoding="utf-8"?>
+<ds:datastoreItem xmlns:ds="http://schemas.openxmlformats.org/officeDocument/2006/customXml" ds:itemID="{D6CD23D1-34B4-43F9-8B27-178E06C60B0C}">
+  <ds:schemaRefs>
+    <ds:schemaRef ds:uri="http://schemas.microsoft.com/VisualStudio/2011/storyboarding/control"/>
+  </ds:schemaRefs>
+</ds:datastoreItem>
+</file>
+
+<file path=customXml/itemProps26.xml><?xml version="1.0" encoding="utf-8"?>
+<ds:datastoreItem xmlns:ds="http://schemas.openxmlformats.org/officeDocument/2006/customXml" ds:itemID="{C45BED9E-8A96-45E3-87F6-623F0BBC26AE}">
+  <ds:schemaRefs>
+    <ds:schemaRef ds:uri="http://schemas.microsoft.com/VisualStudio/2011/storyboarding/control"/>
+  </ds:schemaRefs>
+</ds:datastoreItem>
+</file>
+
+<file path=customXml/itemProps27.xml><?xml version="1.0" encoding="utf-8"?>
+<ds:datastoreItem xmlns:ds="http://schemas.openxmlformats.org/officeDocument/2006/customXml" ds:itemID="{3B516881-4C72-49F0-ABE2-DA01764D0F1B}">
+  <ds:schemaRefs>
+    <ds:schemaRef ds:uri="http://schemas.microsoft.com/VisualStudio/2011/storyboarding/control"/>
+  </ds:schemaRefs>
+</ds:datastoreItem>
+</file>
+
+<file path=customXml/itemProps28.xml><?xml version="1.0" encoding="utf-8"?>
+<ds:datastoreItem xmlns:ds="http://schemas.openxmlformats.org/officeDocument/2006/customXml" ds:itemID="{35406FC8-9550-4B12-961D-C65D0D7C9801}">
+  <ds:schemaRefs>
+    <ds:schemaRef ds:uri="http://schemas.microsoft.com/VisualStudio/2011/storyboarding/control"/>
+  </ds:schemaRefs>
+</ds:datastoreItem>
+</file>
+
+<file path=customXml/itemProps29.xml><?xml version="1.0" encoding="utf-8"?>
 <ds:datastoreItem xmlns:ds="http://schemas.openxmlformats.org/officeDocument/2006/customXml" ds:itemID="{6D201E83-92CD-438B-8163-3C3E9A16B209}">
   <ds:schemaRefs>
     <ds:schemaRef ds:uri="http://schemas.microsoft.com/VisualStudio/2011/storyboarding/control"/>
@@ -22168,23 +22240,47 @@
 </ds:datastoreItem>
 </file>
 
-<file path=customXml/itemProps21.xml><?xml version="1.0" encoding="utf-8"?>
-<ds:datastoreItem xmlns:ds="http://schemas.openxmlformats.org/officeDocument/2006/customXml" ds:itemID="{13AC290A-E857-4ABB-B045-723D440B17B8}">
+<file path=customXml/itemProps3.xml><?xml version="1.0" encoding="utf-8"?>
+<ds:datastoreItem xmlns:ds="http://schemas.openxmlformats.org/officeDocument/2006/customXml" ds:itemID="{2FF8742B-721E-4FFE-A4AA-409DAD9A50C2}">
   <ds:schemaRefs>
     <ds:schemaRef ds:uri="http://schemas.microsoft.com/VisualStudio/2011/storyboarding/control"/>
   </ds:schemaRefs>
 </ds:datastoreItem>
 </file>
 
-<file path=customXml/itemProps22.xml><?xml version="1.0" encoding="utf-8"?>
-<ds:datastoreItem xmlns:ds="http://schemas.openxmlformats.org/officeDocument/2006/customXml" ds:itemID="{74E285C1-FEE9-4653-8976-43C41AE533F9}">
+<file path=customXml/itemProps30.xml><?xml version="1.0" encoding="utf-8"?>
+<ds:datastoreItem xmlns:ds="http://schemas.openxmlformats.org/officeDocument/2006/customXml" ds:itemID="{4CE38429-8A88-48A2-A25C-282327DDE98C}">
   <ds:schemaRefs>
     <ds:schemaRef ds:uri="http://schemas.microsoft.com/VisualStudio/2011/storyboarding/control"/>
   </ds:schemaRefs>
 </ds:datastoreItem>
 </file>
 
-<file path=customXml/itemProps23.xml><?xml version="1.0" encoding="utf-8"?>
+<file path=customXml/itemProps31.xml><?xml version="1.0" encoding="utf-8"?>
+<ds:datastoreItem xmlns:ds="http://schemas.openxmlformats.org/officeDocument/2006/customXml" ds:itemID="{F034DB33-0248-4A6E-9B15-8EE41F8E0EF7}">
+  <ds:schemaRefs>
+    <ds:schemaRef ds:uri="http://schemas.microsoft.com/VisualStudio/2011/storyboarding/control"/>
+  </ds:schemaRefs>
+</ds:datastoreItem>
+</file>
+
+<file path=customXml/itemProps32.xml><?xml version="1.0" encoding="utf-8"?>
+<ds:datastoreItem xmlns:ds="http://schemas.openxmlformats.org/officeDocument/2006/customXml" ds:itemID="{A6081D60-919F-4E67-BB2D-35B31BA24912}">
+  <ds:schemaRefs>
+    <ds:schemaRef ds:uri="http://schemas.microsoft.com/VisualStudio/2011/storyboarding/control"/>
+  </ds:schemaRefs>
+</ds:datastoreItem>
+</file>
+
+<file path=customXml/itemProps33.xml><?xml version="1.0" encoding="utf-8"?>
+<ds:datastoreItem xmlns:ds="http://schemas.openxmlformats.org/officeDocument/2006/customXml" ds:itemID="{CB873FB7-0569-4E0C-B62F-D8017DC45E1D}">
+  <ds:schemaRefs>
+    <ds:schemaRef ds:uri="http://schemas.microsoft.com/VisualStudio/2011/storyboarding/control"/>
+  </ds:schemaRefs>
+</ds:datastoreItem>
+</file>
+
+<file path=customXml/itemProps34.xml><?xml version="1.0" encoding="utf-8"?>
 <ds:datastoreItem xmlns:ds="http://schemas.openxmlformats.org/officeDocument/2006/customXml" ds:itemID="{C6E055FC-5DF7-4738-B9CF-D3C23D0ED337}">
   <ds:schemaRefs>
     <ds:schemaRef ds:uri="http://schemas.microsoft.com/VisualStudio/2011/storyboarding/control"/>
@@ -22192,104 +22288,8 @@
 </ds:datastoreItem>
 </file>
 
-<file path=customXml/itemProps24.xml><?xml version="1.0" encoding="utf-8"?>
-<ds:datastoreItem xmlns:ds="http://schemas.openxmlformats.org/officeDocument/2006/customXml" ds:itemID="{A81E4219-1F67-4580-8F25-4496496D4577}">
-  <ds:schemaRefs>
-    <ds:schemaRef ds:uri="http://schemas.microsoft.com/VisualStudio/2011/storyboarding/control"/>
-  </ds:schemaRefs>
-</ds:datastoreItem>
-</file>
-
-<file path=customXml/itemProps25.xml><?xml version="1.0" encoding="utf-8"?>
-<ds:datastoreItem xmlns:ds="http://schemas.openxmlformats.org/officeDocument/2006/customXml" ds:itemID="{C45BED9E-8A96-45E3-87F6-623F0BBC26AE}">
-  <ds:schemaRefs>
-    <ds:schemaRef ds:uri="http://schemas.microsoft.com/VisualStudio/2011/storyboarding/control"/>
-  </ds:schemaRefs>
-</ds:datastoreItem>
-</file>
-
-<file path=customXml/itemProps26.xml><?xml version="1.0" encoding="utf-8"?>
-<ds:datastoreItem xmlns:ds="http://schemas.openxmlformats.org/officeDocument/2006/customXml" ds:itemID="{31A316BA-830C-46B0-B8E4-8734C88AC532}">
-  <ds:schemaRefs>
-    <ds:schemaRef ds:uri="http://schemas.microsoft.com/VisualStudio/2011/storyboarding/control"/>
-  </ds:schemaRefs>
-</ds:datastoreItem>
-</file>
-
-<file path=customXml/itemProps27.xml><?xml version="1.0" encoding="utf-8"?>
-<ds:datastoreItem xmlns:ds="http://schemas.openxmlformats.org/officeDocument/2006/customXml" ds:itemID="{0FCA21B5-BC03-4E0C-AD27-5A0079842B5C}">
-  <ds:schemaRefs>
-    <ds:schemaRef ds:uri="http://schemas.microsoft.com/VisualStudio/2011/storyboarding/control"/>
-  </ds:schemaRefs>
-</ds:datastoreItem>
-</file>
-
-<file path=customXml/itemProps28.xml><?xml version="1.0" encoding="utf-8"?>
+<file path=customXml/itemProps35.xml><?xml version="1.0" encoding="utf-8"?>
 <ds:datastoreItem xmlns:ds="http://schemas.openxmlformats.org/officeDocument/2006/customXml" ds:itemID="{E0AFD172-6045-4862-82FD-83221F4FC8D0}">
-  <ds:schemaRefs>
-    <ds:schemaRef ds:uri="http://schemas.microsoft.com/VisualStudio/2011/storyboarding/control"/>
-  </ds:schemaRefs>
-</ds:datastoreItem>
-</file>
-
-<file path=customXml/itemProps29.xml><?xml version="1.0" encoding="utf-8"?>
-<ds:datastoreItem xmlns:ds="http://schemas.openxmlformats.org/officeDocument/2006/customXml" ds:itemID="{F4BD737D-A278-47F7-9F1F-CB0AD50B0122}">
-  <ds:schemaRefs>
-    <ds:schemaRef ds:uri="http://schemas.microsoft.com/VisualStudio/2011/storyboarding/control"/>
-  </ds:schemaRefs>
-</ds:datastoreItem>
-</file>
-
-<file path=customXml/itemProps3.xml><?xml version="1.0" encoding="utf-8"?>
-<ds:datastoreItem xmlns:ds="http://schemas.openxmlformats.org/officeDocument/2006/customXml" ds:itemID="{0E441279-A17B-4F37-BE12-3282F1AB6263}">
-  <ds:schemaRefs>
-    <ds:schemaRef ds:uri="http://schemas.microsoft.com/VisualStudio/2011/storyboarding/control"/>
-  </ds:schemaRefs>
-</ds:datastoreItem>
-</file>
-
-<file path=customXml/itemProps30.xml><?xml version="1.0" encoding="utf-8"?>
-<ds:datastoreItem xmlns:ds="http://schemas.openxmlformats.org/officeDocument/2006/customXml" ds:itemID="{F47B1317-BF39-490D-A944-8A4E3CA15783}">
-  <ds:schemaRefs>
-    <ds:schemaRef ds:uri="http://schemas.microsoft.com/VisualStudio/2011/storyboarding/control"/>
-  </ds:schemaRefs>
-</ds:datastoreItem>
-</file>
-
-<file path=customXml/itemProps31.xml><?xml version="1.0" encoding="utf-8"?>
-<ds:datastoreItem xmlns:ds="http://schemas.openxmlformats.org/officeDocument/2006/customXml" ds:itemID="{34E7C21D-63D1-4CF2-917E-6E99DFBE114D}">
-  <ds:schemaRefs>
-    <ds:schemaRef ds:uri="http://schemas.microsoft.com/VisualStudio/2011/storyboarding/control"/>
-  </ds:schemaRefs>
-</ds:datastoreItem>
-</file>
-
-<file path=customXml/itemProps32.xml><?xml version="1.0" encoding="utf-8"?>
-<ds:datastoreItem xmlns:ds="http://schemas.openxmlformats.org/officeDocument/2006/customXml" ds:itemID="{6FAA5058-347F-496C-994D-67AFD5AAD401}">
-  <ds:schemaRefs>
-    <ds:schemaRef ds:uri="http://schemas.microsoft.com/VisualStudio/2011/storyboarding/control"/>
-  </ds:schemaRefs>
-</ds:datastoreItem>
-</file>
-
-<file path=customXml/itemProps33.xml><?xml version="1.0" encoding="utf-8"?>
-<ds:datastoreItem xmlns:ds="http://schemas.openxmlformats.org/officeDocument/2006/customXml" ds:itemID="{3B516881-4C72-49F0-ABE2-DA01764D0F1B}">
-  <ds:schemaRefs>
-    <ds:schemaRef ds:uri="http://schemas.microsoft.com/VisualStudio/2011/storyboarding/control"/>
-  </ds:schemaRefs>
-</ds:datastoreItem>
-</file>
-
-<file path=customXml/itemProps34.xml><?xml version="1.0" encoding="utf-8"?>
-<ds:datastoreItem xmlns:ds="http://schemas.openxmlformats.org/officeDocument/2006/customXml" ds:itemID="{493E5169-A32E-46EE-9D5F-E15F8D6F34D3}">
-  <ds:schemaRefs>
-    <ds:schemaRef ds:uri="http://schemas.microsoft.com/VisualStudio/2011/storyboarding/control"/>
-  </ds:schemaRefs>
-</ds:datastoreItem>
-</file>
-
-<file path=customXml/itemProps35.xml><?xml version="1.0" encoding="utf-8"?>
-<ds:datastoreItem xmlns:ds="http://schemas.openxmlformats.org/officeDocument/2006/customXml" ds:itemID="{28770D35-1427-4705-9C03-766FD4A5FEB2}">
   <ds:schemaRefs>
     <ds:schemaRef ds:uri="http://schemas.microsoft.com/VisualStudio/2011/storyboarding/control"/>
   </ds:schemaRefs>
@@ -22305,6 +22305,94 @@
 </file>
 
 <file path=customXml/itemProps37.xml><?xml version="1.0" encoding="utf-8"?>
+<ds:datastoreItem xmlns:ds="http://schemas.openxmlformats.org/officeDocument/2006/customXml" ds:itemID="{3276597C-028E-404E-9A0D-8BC1EC6D166E}">
+  <ds:schemaRefs>
+    <ds:schemaRef ds:uri="http://schemas.microsoft.com/VisualStudio/2011/storyboarding/control"/>
+  </ds:schemaRefs>
+</ds:datastoreItem>
+</file>
+
+<file path=customXml/itemProps38.xml><?xml version="1.0" encoding="utf-8"?>
+<ds:datastoreItem xmlns:ds="http://schemas.openxmlformats.org/officeDocument/2006/customXml" ds:itemID="{A45EFC53-8EB2-4BB1-93C4-FDA294E4CF9F}">
+  <ds:schemaRefs>
+    <ds:schemaRef ds:uri="http://schemas.microsoft.com/VisualStudio/2011/storyboarding/control"/>
+  </ds:schemaRefs>
+</ds:datastoreItem>
+</file>
+
+<file path=customXml/itemProps39.xml><?xml version="1.0" encoding="utf-8"?>
+<ds:datastoreItem xmlns:ds="http://schemas.openxmlformats.org/officeDocument/2006/customXml" ds:itemID="{31A316BA-830C-46B0-B8E4-8734C88AC532}">
+  <ds:schemaRefs>
+    <ds:schemaRef ds:uri="http://schemas.microsoft.com/VisualStudio/2011/storyboarding/control"/>
+  </ds:schemaRefs>
+</ds:datastoreItem>
+</file>
+
+<file path=customXml/itemProps4.xml><?xml version="1.0" encoding="utf-8"?>
+<ds:datastoreItem xmlns:ds="http://schemas.openxmlformats.org/officeDocument/2006/customXml" ds:itemID="{F4BD737D-A278-47F7-9F1F-CB0AD50B0122}">
+  <ds:schemaRefs>
+    <ds:schemaRef ds:uri="http://schemas.microsoft.com/VisualStudio/2011/storyboarding/control"/>
+  </ds:schemaRefs>
+</ds:datastoreItem>
+</file>
+
+<file path=customXml/itemProps40.xml><?xml version="1.0" encoding="utf-8"?>
+<ds:datastoreItem xmlns:ds="http://schemas.openxmlformats.org/officeDocument/2006/customXml" ds:itemID="{26FA000A-0900-44CA-90DA-A9E33B0CA06C}">
+  <ds:schemaRefs>
+    <ds:schemaRef ds:uri="http://schemas.microsoft.com/VisualStudio/2011/storyboarding/control"/>
+  </ds:schemaRefs>
+</ds:datastoreItem>
+</file>
+
+<file path=customXml/itemProps41.xml><?xml version="1.0" encoding="utf-8"?>
+<ds:datastoreItem xmlns:ds="http://schemas.openxmlformats.org/officeDocument/2006/customXml" ds:itemID="{13AC290A-E857-4ABB-B045-723D440B17B8}">
+  <ds:schemaRefs>
+    <ds:schemaRef ds:uri="http://schemas.microsoft.com/VisualStudio/2011/storyboarding/control"/>
+  </ds:schemaRefs>
+</ds:datastoreItem>
+</file>
+
+<file path=customXml/itemProps42.xml><?xml version="1.0" encoding="utf-8"?>
+<ds:datastoreItem xmlns:ds="http://schemas.openxmlformats.org/officeDocument/2006/customXml" ds:itemID="{493E5169-A32E-46EE-9D5F-E15F8D6F34D3}">
+  <ds:schemaRefs>
+    <ds:schemaRef ds:uri="http://schemas.microsoft.com/VisualStudio/2011/storyboarding/control"/>
+  </ds:schemaRefs>
+</ds:datastoreItem>
+</file>
+
+<file path=customXml/itemProps43.xml><?xml version="1.0" encoding="utf-8"?>
+<ds:datastoreItem xmlns:ds="http://schemas.openxmlformats.org/officeDocument/2006/customXml" ds:itemID="{F42745CA-1371-4213-B5B6-3A22B7978C13}">
+  <ds:schemaRefs>
+    <ds:schemaRef ds:uri="http://schemas.microsoft.com/VisualStudio/2011/storyboarding/control"/>
+  </ds:schemaRefs>
+</ds:datastoreItem>
+</file>
+
+<file path=customXml/itemProps5.xml><?xml version="1.0" encoding="utf-8"?>
+<ds:datastoreItem xmlns:ds="http://schemas.openxmlformats.org/officeDocument/2006/customXml" ds:itemID="{A5319377-888B-4A1E-B2E1-A01F5778259E}">
+  <ds:schemaRefs>
+    <ds:schemaRef ds:uri="http://schemas.microsoft.com/VisualStudio/2011/storyboarding/control"/>
+  </ds:schemaRefs>
+</ds:datastoreItem>
+</file>
+
+<file path=customXml/itemProps6.xml><?xml version="1.0" encoding="utf-8"?>
+<ds:datastoreItem xmlns:ds="http://schemas.openxmlformats.org/officeDocument/2006/customXml" ds:itemID="{A81E4219-1F67-4580-8F25-4496496D4577}">
+  <ds:schemaRefs>
+    <ds:schemaRef ds:uri="http://schemas.microsoft.com/VisualStudio/2011/storyboarding/control"/>
+  </ds:schemaRefs>
+</ds:datastoreItem>
+</file>
+
+<file path=customXml/itemProps7.xml><?xml version="1.0" encoding="utf-8"?>
+<ds:datastoreItem xmlns:ds="http://schemas.openxmlformats.org/officeDocument/2006/customXml" ds:itemID="{6FAA5058-347F-496C-994D-67AFD5AAD401}">
+  <ds:schemaRefs>
+    <ds:schemaRef ds:uri="http://schemas.microsoft.com/VisualStudio/2011/storyboarding/control"/>
+  </ds:schemaRefs>
+</ds:datastoreItem>
+</file>
+
+<file path=customXml/itemProps8.xml><?xml version="1.0" encoding="utf-8"?>
 <ds:datastoreItem xmlns:ds="http://schemas.openxmlformats.org/officeDocument/2006/customXml" ds:itemID="{93483E70-B105-4130-B774-0746440B8C9F}">
   <ds:schemaRefs>
     <ds:schemaRef ds:uri="http://schemas.microsoft.com/VisualStudio/2011/storyboarding/control"/>
@@ -22312,98 +22400,10 @@
 </ds:datastoreItem>
 </file>
 
-<file path=customXml/itemProps38.xml><?xml version="1.0" encoding="utf-8"?>
-<ds:datastoreItem xmlns:ds="http://schemas.openxmlformats.org/officeDocument/2006/customXml" ds:itemID="{35406FC8-9550-4B12-961D-C65D0D7C9801}">
-  <ds:schemaRefs>
-    <ds:schemaRef ds:uri="http://schemas.microsoft.com/VisualStudio/2011/storyboarding/control"/>
-  </ds:schemaRefs>
-</ds:datastoreItem>
-</file>
-
-<file path=customXml/itemProps39.xml><?xml version="1.0" encoding="utf-8"?>
-<ds:datastoreItem xmlns:ds="http://schemas.openxmlformats.org/officeDocument/2006/customXml" ds:itemID="{26FA000A-0900-44CA-90DA-A9E33B0CA06C}">
-  <ds:schemaRefs>
-    <ds:schemaRef ds:uri="http://schemas.microsoft.com/VisualStudio/2011/storyboarding/control"/>
-  </ds:schemaRefs>
-</ds:datastoreItem>
-</file>
-
-<file path=customXml/itemProps4.xml><?xml version="1.0" encoding="utf-8"?>
-<ds:datastoreItem xmlns:ds="http://schemas.openxmlformats.org/officeDocument/2006/customXml" ds:itemID="{EBFD5C5F-6FF9-4ED5-A632-EE4CAB837CFE}">
-  <ds:schemaRefs>
-    <ds:schemaRef ds:uri="http://schemas.microsoft.com/VisualStudio/2011/storyboarding/control"/>
-  </ds:schemaRefs>
-</ds:datastoreItem>
-</file>
-
-<file path=customXml/itemProps40.xml><?xml version="1.0" encoding="utf-8"?>
+<file path=customXml/itemProps9.xml><?xml version="1.0" encoding="utf-8"?>
 <ds:datastoreItem xmlns:ds="http://schemas.openxmlformats.org/officeDocument/2006/customXml" ds:itemID="{001F1A4E-7DC0-4181-B073-09E30FC8E5C2}">
   <ds:schemaRefs>
     <ds:schemaRef ds:uri="http://schemas.microsoft.com/VisualStudio/2011/storyboarding/control"/>
   </ds:schemaRefs>
 </ds:datastoreItem>
-</file>
-
-<file path=customXml/itemProps41.xml><?xml version="1.0" encoding="utf-8"?>
-<ds:datastoreItem xmlns:ds="http://schemas.openxmlformats.org/officeDocument/2006/customXml" ds:itemID="{4CE38429-8A88-48A2-A25C-282327DDE98C}">
-  <ds:schemaRefs>
-    <ds:schemaRef ds:uri="http://schemas.microsoft.com/VisualStudio/2011/storyboarding/control"/>
-  </ds:schemaRefs>
-</ds:datastoreItem>
-</file>
-
-<file path=customXml/itemProps42.xml><?xml version="1.0" encoding="utf-8"?>
-<ds:datastoreItem xmlns:ds="http://schemas.openxmlformats.org/officeDocument/2006/customXml" ds:itemID="{F42745CA-1371-4213-B5B6-3A22B7978C13}">
-  <ds:schemaRefs>
-    <ds:schemaRef ds:uri="http://schemas.microsoft.com/VisualStudio/2011/storyboarding/control"/>
-  </ds:schemaRefs>
-</ds:datastoreItem>
-</file>
-
-<file path=customXml/itemProps43.xml><?xml version="1.0" encoding="utf-8"?>
-<ds:datastoreItem xmlns:ds="http://schemas.openxmlformats.org/officeDocument/2006/customXml" ds:itemID="{52839036-C58C-4EEB-8810-5FADE88F6933}">
-  <ds:schemaRefs>
-    <ds:schemaRef ds:uri="http://schemas.microsoft.com/VisualStudio/2011/storyboarding/control"/>
-  </ds:schemaRefs>
-</ds:datastoreItem>
-</file>
-
-<file path=customXml/itemProps5.xml><?xml version="1.0" encoding="utf-8"?>
-<ds:datastoreItem xmlns:ds="http://schemas.openxmlformats.org/officeDocument/2006/customXml" ds:itemID="{74C3B84C-EB60-4E0A-86A9-CE1EF5F3EE5E}">
-  <ds:schemaRefs>
-    <ds:schemaRef ds:uri="http://schemas.microsoft.com/VisualStudio/2011/storyboarding/control"/>
-  </ds:schemaRefs>
-</ds:datastoreItem>
-</file>
-
-<file path=customXml/itemProps6.xml><?xml version="1.0" encoding="utf-8"?>
-<ds:datastoreItem xmlns:ds="http://schemas.openxmlformats.org/officeDocument/2006/customXml" ds:itemID="{A6081D60-919F-4E67-BB2D-35B31BA24912}">
-  <ds:schemaRefs>
-    <ds:schemaRef ds:uri="http://schemas.microsoft.com/VisualStudio/2011/storyboarding/control"/>
-  </ds:schemaRefs>
-</ds:datastoreItem>
-</file>
-
-<file path=customXml/itemProps7.xml><?xml version="1.0" encoding="utf-8"?>
-<ds:datastoreItem xmlns:ds="http://schemas.openxmlformats.org/officeDocument/2006/customXml" ds:itemID="{F02E4F68-C761-47F5-95AD-52BA5A5B2189}">
-  <ds:schemaRefs>
-    <ds:schemaRef ds:uri="http://schemas.microsoft.com/VisualStudio/2011/storyboarding/control"/>
-  </ds:schemaRefs>
-</ds:datastoreItem>
-</file>
-
-<file path=customXml/itemProps8.xml><?xml version="1.0" encoding="utf-8"?>
-<ds:datastoreItem xmlns:ds="http://schemas.openxmlformats.org/officeDocument/2006/customXml" ds:itemID="{E0EE7AFF-9F95-4993-A4E8-A9CD3E9672EC}">
-  <ds:schemaRefs>
-    <ds:schemaRef ds:uri="http://schemas.microsoft.com/VisualStudio/2011/storyboarding/control"/>
-  </ds:schemaRefs>
-</ds:datastoreItem>
-</file>
-
-<file path=customXml/itemProps9.xml><?xml version="1.0" encoding="utf-8"?>
-<ds:datastoreItem xmlns:ds="http://schemas.openxmlformats.org/officeDocument/2006/customXml" ds:itemID="{A614BF6A-6A61-486E-9142-9D5056D7EB4D}">
-  <ds:schemaRefs>
-    <ds:schemaRef ds:uri="http://schemas.microsoft.com/VisualStudio/2011/storyboarding/control"/>
-  </ds:schemaRefs>
-</ds:datastoreItem>
 </file>